--- a/FACIALATTRIBUTES-DL.pptx
+++ b/FACIALATTRIBUTES-DL.pptx
@@ -5,15 +5,20 @@
     <p:sldMasterId id="2147483648" r:id="rId4"/>
   </p:sldMasterIdLst>
   <p:notesMasterIdLst>
-    <p:notesMasterId r:id="rId8"/>
+    <p:notesMasterId r:id="rId13"/>
   </p:notesMasterIdLst>
   <p:handoutMasterIdLst>
-    <p:handoutMasterId r:id="rId9"/>
+    <p:handoutMasterId r:id="rId14"/>
   </p:handoutMasterIdLst>
   <p:sldIdLst>
     <p:sldId id="256" r:id="rId5"/>
     <p:sldId id="278" r:id="rId6"/>
     <p:sldId id="258" r:id="rId7"/>
+    <p:sldId id="281" r:id="rId8"/>
+    <p:sldId id="284" r:id="rId9"/>
+    <p:sldId id="282" r:id="rId10"/>
+    <p:sldId id="283" r:id="rId11"/>
+    <p:sldId id="285" r:id="rId12"/>
   </p:sldIdLst>
   <p:sldSz cx="12192000" cy="6858000"/>
   <p:notesSz cx="6858000" cy="9144000"/>
@@ -217,7 +222,7 @@
           <a:p>
             <a:fld id="{B56F32FC-4BD9-442A-A8C6-51598C909FE3}" type="datetimeFigureOut">
               <a:rPr lang="en-US" smtClean="0"/>
-              <a:t>5/15/2024</a:t>
+              <a:t>5/20/2024</a:t>
             </a:fld>
             <a:endParaRPr lang="en-US" dirty="0"/>
           </a:p>
@@ -394,7 +399,7 @@
           <a:p>
             <a:fld id="{056371FA-A98D-41E8-93F4-09945841298A}" type="datetimeFigureOut">
               <a:rPr lang="en-US" smtClean="0"/>
-              <a:t>5/15/2024</a:t>
+              <a:t>5/20/2024</a:t>
             </a:fld>
             <a:endParaRPr lang="en-US" dirty="0"/>
           </a:p>
@@ -904,6 +909,90 @@
     <p:extLst>
       <p:ext uri="{BB962C8B-B14F-4D97-AF65-F5344CB8AC3E}">
         <p14:creationId xmlns:p14="http://schemas.microsoft.com/office/powerpoint/2010/main" val="2843954456"/>
+      </p:ext>
+    </p:extLst>
+  </p:cSld>
+  <p:clrMapOvr>
+    <a:masterClrMapping/>
+  </p:clrMapOvr>
+</p:notes>
+</file>
+
+<file path=ppt/notesSlides/notesSlide4.xml><?xml version="1.0" encoding="utf-8"?>
+<p:notes xmlns:a="http://schemas.openxmlformats.org/drawingml/2006/main" xmlns:r="http://schemas.openxmlformats.org/officeDocument/2006/relationships" xmlns:p="http://schemas.openxmlformats.org/presentationml/2006/main">
+  <p:cSld>
+    <p:spTree>
+      <p:nvGrpSpPr>
+        <p:cNvPr id="1" name=""/>
+        <p:cNvGrpSpPr/>
+        <p:nvPr/>
+      </p:nvGrpSpPr>
+      <p:grpSpPr>
+        <a:xfrm>
+          <a:off x="0" y="0"/>
+          <a:ext cx="0" cy="0"/>
+          <a:chOff x="0" y="0"/>
+          <a:chExt cx="0" cy="0"/>
+        </a:xfrm>
+      </p:grpSpPr>
+      <p:sp>
+        <p:nvSpPr>
+          <p:cNvPr id="2" name="Slide Image Placeholder 1"/>
+          <p:cNvSpPr>
+            <a:spLocks noGrp="1" noRot="1" noChangeAspect="1"/>
+          </p:cNvSpPr>
+          <p:nvPr>
+            <p:ph type="sldImg"/>
+          </p:nvPr>
+        </p:nvSpPr>
+        <p:spPr/>
+      </p:sp>
+      <p:sp>
+        <p:nvSpPr>
+          <p:cNvPr id="3" name="Notes Placeholder 2"/>
+          <p:cNvSpPr>
+            <a:spLocks noGrp="1"/>
+          </p:cNvSpPr>
+          <p:nvPr>
+            <p:ph type="body" idx="1"/>
+          </p:nvPr>
+        </p:nvSpPr>
+        <p:spPr/>
+        <p:txBody>
+          <a:bodyPr/>
+          <a:lstStyle/>
+          <a:p>
+            <a:endParaRPr lang="en-US" dirty="0"/>
+          </a:p>
+        </p:txBody>
+      </p:sp>
+      <p:sp>
+        <p:nvSpPr>
+          <p:cNvPr id="4" name="Slide Number Placeholder 3"/>
+          <p:cNvSpPr>
+            <a:spLocks noGrp="1"/>
+          </p:cNvSpPr>
+          <p:nvPr>
+            <p:ph type="sldNum" sz="quarter" idx="5"/>
+          </p:nvPr>
+        </p:nvSpPr>
+        <p:spPr/>
+        <p:txBody>
+          <a:bodyPr/>
+          <a:lstStyle/>
+          <a:p>
+            <a:fld id="{22289C57-55D7-40A4-A101-E74FAC7A092B}" type="slidenum">
+              <a:rPr lang="en-US" smtClean="0"/>
+              <a:t>4</a:t>
+            </a:fld>
+            <a:endParaRPr lang="en-US" dirty="0"/>
+          </a:p>
+        </p:txBody>
+      </p:sp>
+    </p:spTree>
+    <p:extLst>
+      <p:ext uri="{BB962C8B-B14F-4D97-AF65-F5344CB8AC3E}">
+        <p14:creationId xmlns:p14="http://schemas.microsoft.com/office/powerpoint/2010/main" val="3771184563"/>
       </p:ext>
     </p:extLst>
   </p:cSld>
@@ -6416,24 +6505,400 @@
             <a:spLocks noGrp="1"/>
           </p:cNvSpPr>
           <p:nvPr>
-            <p:ph type="ctrTitle"/>
-          </p:nvPr>
-        </p:nvSpPr>
-        <p:spPr>
-          <a:xfrm>
-            <a:off x="6991350" y="487018"/>
-            <a:ext cx="4179570" cy="3377354"/>
+            <p:ph type="title"/>
+          </p:nvPr>
+        </p:nvSpPr>
+        <p:spPr>
+          <a:xfrm>
+            <a:off x="838200" y="337193"/>
+            <a:ext cx="5655197" cy="753478"/>
+          </a:xfrm>
+        </p:spPr>
+        <p:txBody>
+          <a:bodyPr vert="horz" lIns="91440" tIns="45720" rIns="91440" bIns="45720" rtlCol="0" anchor="b">
+            <a:normAutofit/>
+          </a:bodyPr>
+          <a:lstStyle/>
+          <a:p>
+            <a:r>
+              <a:rPr lang="en-US" kern="1200" cap="all" spc="150" baseline="0" dirty="0">
+                <a:latin typeface="+mj-lt"/>
+                <a:ea typeface="+mj-ea"/>
+                <a:cs typeface="+mj-cs"/>
+              </a:rPr>
+              <a:t>DATASET</a:t>
+            </a:r>
+          </a:p>
+        </p:txBody>
+      </p:sp>
+      <p:sp>
+        <p:nvSpPr>
+          <p:cNvPr id="3" name="TextBox 2">
+            <a:extLst>
+              <a:ext uri="{FF2B5EF4-FFF2-40B4-BE49-F238E27FC236}">
+                <a16:creationId xmlns:a16="http://schemas.microsoft.com/office/drawing/2014/main" id="{1FEE12B1-F86E-4FF8-5CA5-B7E537241256}"/>
+              </a:ext>
+            </a:extLst>
+          </p:cNvPr>
+          <p:cNvSpPr txBox="1"/>
+          <p:nvPr/>
+        </p:nvSpPr>
+        <p:spPr>
+          <a:xfrm>
+            <a:off x="361266" y="1413304"/>
+            <a:ext cx="5990370" cy="3032733"/>
+          </a:xfrm>
+          <a:prstGeom prst="rect">
+            <a:avLst/>
+          </a:prstGeom>
+        </p:spPr>
+        <p:txBody>
+          <a:bodyPr vert="horz" lIns="91440" tIns="45720" rIns="91440" bIns="45720" rtlCol="0">
+            <a:noAutofit/>
+          </a:bodyPr>
+          <a:lstStyle/>
+          <a:p>
+            <a:pPr marL="285750" indent="-285750">
+              <a:lnSpc>
+                <a:spcPct val="90000"/>
+              </a:lnSpc>
+              <a:spcBef>
+                <a:spcPts val="1000"/>
+              </a:spcBef>
+              <a:buFont typeface="Arial" panose="020B0604020202020204" pitchFamily="34" charset="0"/>
+              <a:buChar char="•"/>
+            </a:pPr>
+            <a:r>
+              <a:rPr lang="en-US" b="1" spc="50" dirty="0"/>
+              <a:t>Source:</a:t>
+            </a:r>
+          </a:p>
+          <a:p>
+            <a:pPr marL="285750" indent="-285750">
+              <a:lnSpc>
+                <a:spcPct val="90000"/>
+              </a:lnSpc>
+              <a:spcBef>
+                <a:spcPts val="1000"/>
+              </a:spcBef>
+              <a:buFont typeface="Arial" panose="020B0604020202020204" pitchFamily="34" charset="0"/>
+              <a:buChar char="•"/>
+            </a:pPr>
+            <a:r>
+              <a:rPr lang="en-US" spc="50" dirty="0"/>
+              <a:t>Used from the </a:t>
+            </a:r>
+            <a:r>
+              <a:rPr lang="en-US" spc="50" dirty="0" err="1"/>
+              <a:t>CelebA</a:t>
+            </a:r>
+            <a:r>
+              <a:rPr lang="en-US" spc="50" dirty="0"/>
+              <a:t> (Celebrities Attributes) database</a:t>
+            </a:r>
+          </a:p>
+          <a:p>
+            <a:pPr marL="285750" indent="-285750">
+              <a:lnSpc>
+                <a:spcPct val="90000"/>
+              </a:lnSpc>
+              <a:spcBef>
+                <a:spcPts val="1000"/>
+              </a:spcBef>
+              <a:buFont typeface="Arial" panose="020B0604020202020204" pitchFamily="34" charset="0"/>
+              <a:buChar char="•"/>
+            </a:pPr>
+            <a:r>
+              <a:rPr lang="en-US" spc="50" dirty="0">
+                <a:hlinkClick r:id="rId3">
+                  <a:extLst>
+                    <a:ext uri="{A12FA001-AC4F-418D-AE19-62706E023703}">
+                      <ahyp:hlinkClr xmlns:ahyp="http://schemas.microsoft.com/office/drawing/2018/hyperlinkcolor" val="tx"/>
+                    </a:ext>
+                  </a:extLst>
+                </a:hlinkClick>
+              </a:rPr>
+              <a:t>https://</a:t>
+            </a:r>
+            <a:r>
+              <a:rPr lang="en-US" spc="50" dirty="0" err="1">
+                <a:hlinkClick r:id="rId3">
+                  <a:extLst>
+                    <a:ext uri="{A12FA001-AC4F-418D-AE19-62706E023703}">
+                      <ahyp:hlinkClr xmlns:ahyp="http://schemas.microsoft.com/office/drawing/2018/hyperlinkcolor" val="tx"/>
+                    </a:ext>
+                  </a:extLst>
+                </a:hlinkClick>
+              </a:rPr>
+              <a:t>mmlab.ie.cuhk.edu.hk</a:t>
+            </a:r>
+            <a:r>
+              <a:rPr lang="en-US" spc="50" dirty="0">
+                <a:hlinkClick r:id="rId3">
+                  <a:extLst>
+                    <a:ext uri="{A12FA001-AC4F-418D-AE19-62706E023703}">
+                      <ahyp:hlinkClr xmlns:ahyp="http://schemas.microsoft.com/office/drawing/2018/hyperlinkcolor" val="tx"/>
+                    </a:ext>
+                  </a:extLst>
+                </a:hlinkClick>
+              </a:rPr>
+              <a:t>/projects/</a:t>
+            </a:r>
+            <a:r>
+              <a:rPr lang="en-US" spc="50" dirty="0" err="1">
+                <a:hlinkClick r:id="rId3">
+                  <a:extLst>
+                    <a:ext uri="{A12FA001-AC4F-418D-AE19-62706E023703}">
+                      <ahyp:hlinkClr xmlns:ahyp="http://schemas.microsoft.com/office/drawing/2018/hyperlinkcolor" val="tx"/>
+                    </a:ext>
+                  </a:extLst>
+                </a:hlinkClick>
+              </a:rPr>
+              <a:t>CelebA.html</a:t>
+            </a:r>
+            <a:endParaRPr lang="en-US" spc="50" dirty="0"/>
+          </a:p>
+          <a:p>
+            <a:pPr marL="285750" indent="-285750">
+              <a:lnSpc>
+                <a:spcPct val="90000"/>
+              </a:lnSpc>
+              <a:spcBef>
+                <a:spcPts val="1000"/>
+              </a:spcBef>
+              <a:buFont typeface="Arial" panose="020B0604020202020204" pitchFamily="34" charset="0"/>
+              <a:buChar char="•"/>
+            </a:pPr>
+            <a:endParaRPr lang="en-US" spc="50" dirty="0"/>
+          </a:p>
+          <a:p>
+            <a:pPr marL="285750" indent="-285750">
+              <a:lnSpc>
+                <a:spcPct val="90000"/>
+              </a:lnSpc>
+              <a:spcBef>
+                <a:spcPts val="1000"/>
+              </a:spcBef>
+              <a:buFont typeface="Arial" panose="020B0604020202020204" pitchFamily="34" charset="0"/>
+              <a:buChar char="•"/>
+            </a:pPr>
+            <a:r>
+              <a:rPr lang="en-US" b="1" spc="50" dirty="0"/>
+              <a:t>Content:</a:t>
+            </a:r>
+          </a:p>
+          <a:p>
+            <a:pPr marL="285750" indent="-285750">
+              <a:lnSpc>
+                <a:spcPct val="90000"/>
+              </a:lnSpc>
+              <a:spcBef>
+                <a:spcPts val="1000"/>
+              </a:spcBef>
+              <a:buFont typeface="Arial" panose="020B0604020202020204" pitchFamily="34" charset="0"/>
+              <a:buChar char="•"/>
+            </a:pPr>
+            <a:r>
+              <a:rPr lang="en-US" spc="50" dirty="0"/>
+              <a:t>over 200,000 images of celebrities</a:t>
+            </a:r>
+          </a:p>
+          <a:p>
+            <a:pPr marL="285750" indent="-285750">
+              <a:lnSpc>
+                <a:spcPct val="90000"/>
+              </a:lnSpc>
+              <a:spcBef>
+                <a:spcPts val="1000"/>
+              </a:spcBef>
+              <a:buFont typeface="Arial" panose="020B0604020202020204" pitchFamily="34" charset="0"/>
+              <a:buChar char="•"/>
+            </a:pPr>
+            <a:r>
+              <a:rPr lang="en-US" spc="50" dirty="0"/>
+              <a:t>labels that identify various facial attributes (age, gender, facial hair, eyeglasses etc.)</a:t>
+            </a:r>
+          </a:p>
+          <a:p>
+            <a:pPr marL="285750" indent="-285750">
+              <a:lnSpc>
+                <a:spcPct val="90000"/>
+              </a:lnSpc>
+              <a:spcBef>
+                <a:spcPts val="1000"/>
+              </a:spcBef>
+              <a:buFont typeface="Arial" panose="020B0604020202020204" pitchFamily="34" charset="0"/>
+              <a:buChar char="•"/>
+            </a:pPr>
+            <a:endParaRPr lang="en-US" spc="50" dirty="0"/>
+          </a:p>
+          <a:p>
+            <a:pPr marL="285750" indent="-285750">
+              <a:lnSpc>
+                <a:spcPct val="90000"/>
+              </a:lnSpc>
+              <a:spcBef>
+                <a:spcPts val="1000"/>
+              </a:spcBef>
+              <a:buFont typeface="Arial" panose="020B0604020202020204" pitchFamily="34" charset="0"/>
+              <a:buChar char="•"/>
+            </a:pPr>
+            <a:r>
+              <a:rPr lang="en-US" b="1" spc="50" dirty="0"/>
+              <a:t>Data Splitting:</a:t>
+            </a:r>
+          </a:p>
+          <a:p>
+            <a:pPr marL="285750" indent="-285750">
+              <a:lnSpc>
+                <a:spcPct val="90000"/>
+              </a:lnSpc>
+              <a:spcBef>
+                <a:spcPts val="1000"/>
+              </a:spcBef>
+              <a:buFont typeface="Arial" panose="020B0604020202020204" pitchFamily="34" charset="0"/>
+              <a:buChar char="•"/>
+            </a:pPr>
+            <a:r>
+              <a:rPr lang="en-US" spc="50" dirty="0"/>
+              <a:t>Training Set: 80% of the data</a:t>
+            </a:r>
+          </a:p>
+          <a:p>
+            <a:pPr marL="285750" indent="-285750">
+              <a:lnSpc>
+                <a:spcPct val="90000"/>
+              </a:lnSpc>
+              <a:spcBef>
+                <a:spcPts val="1000"/>
+              </a:spcBef>
+              <a:buFont typeface="Arial" panose="020B0604020202020204" pitchFamily="34" charset="0"/>
+              <a:buChar char="•"/>
+            </a:pPr>
+            <a:r>
+              <a:rPr lang="en-US" spc="50" dirty="0"/>
+              <a:t>Validation Set: 10% of the data</a:t>
+            </a:r>
+          </a:p>
+          <a:p>
+            <a:pPr marL="285750" indent="-285750">
+              <a:lnSpc>
+                <a:spcPct val="90000"/>
+              </a:lnSpc>
+              <a:spcBef>
+                <a:spcPts val="1000"/>
+              </a:spcBef>
+              <a:buFont typeface="Arial" panose="020B0604020202020204" pitchFamily="34" charset="0"/>
+              <a:buChar char="•"/>
+            </a:pPr>
+            <a:r>
+              <a:rPr lang="en-US" spc="50" dirty="0"/>
+              <a:t>Testing Set: The remaining 10%</a:t>
+            </a:r>
+          </a:p>
+        </p:txBody>
+      </p:sp>
+      <p:sp>
+        <p:nvSpPr>
+          <p:cNvPr id="12" name="Text Placeholder 4">
+            <a:extLst>
+              <a:ext uri="{FF2B5EF4-FFF2-40B4-BE49-F238E27FC236}">
+                <a16:creationId xmlns:a16="http://schemas.microsoft.com/office/drawing/2014/main" id="{B32F6162-FB0B-FC51-EB48-994BB7CDBAD7}"/>
+              </a:ext>
+            </a:extLst>
+          </p:cNvPr>
+          <p:cNvSpPr>
+            <a:spLocks noGrp="1"/>
+          </p:cNvSpPr>
+          <p:nvPr>
+            <p:ph type="body" sz="quarter" idx="3"/>
+          </p:nvPr>
+        </p:nvSpPr>
+        <p:spPr>
+          <a:xfrm>
+            <a:off x="7887108" y="2705177"/>
+            <a:ext cx="3943627" cy="448989"/>
           </a:xfrm>
         </p:spPr>
         <p:txBody>
           <a:bodyPr/>
           <a:lstStyle/>
           <a:p>
-            <a:r>
-              <a:rPr lang="hu-HU" dirty="0" err="1"/>
-              <a:t>DATASET</a:t>
-            </a:r>
-            <a:endParaRPr lang="en-US" dirty="0"/>
+            <a:endParaRPr lang="en-US"/>
+          </a:p>
+        </p:txBody>
+      </p:sp>
+      <p:pic>
+        <p:nvPicPr>
+          <p:cNvPr id="5" name="Рисунок 4">
+            <a:extLst>
+              <a:ext uri="{FF2B5EF4-FFF2-40B4-BE49-F238E27FC236}">
+                <a16:creationId xmlns:a16="http://schemas.microsoft.com/office/drawing/2014/main" id="{31228189-8619-AA0B-16FC-984A21028DB1}"/>
+              </a:ext>
+            </a:extLst>
+          </p:cNvPr>
+          <p:cNvPicPr>
+            <a:picLocks noChangeAspect="1"/>
+          </p:cNvPicPr>
+          <p:nvPr/>
+        </p:nvPicPr>
+        <p:blipFill rotWithShape="1">
+          <a:blip r:embed="rId4"/>
+          <a:srcRect l="-3" t="419" r="1514" b="25490"/>
+          <a:stretch/>
+        </p:blipFill>
+        <p:spPr>
+          <a:xfrm>
+            <a:off x="6201631" y="266555"/>
+            <a:ext cx="5990370" cy="6591445"/>
+          </a:xfrm>
+          <a:prstGeom prst="rect">
+            <a:avLst/>
+          </a:prstGeom>
+          <a:noFill/>
+        </p:spPr>
+      </p:pic>
+      <p:sp>
+        <p:nvSpPr>
+          <p:cNvPr id="14" name="Slide Number Placeholder 6">
+            <a:extLst>
+              <a:ext uri="{FF2B5EF4-FFF2-40B4-BE49-F238E27FC236}">
+                <a16:creationId xmlns:a16="http://schemas.microsoft.com/office/drawing/2014/main" id="{7CBC8747-92A8-5A66-DCEA-9E8639F67939}"/>
+              </a:ext>
+            </a:extLst>
+          </p:cNvPr>
+          <p:cNvSpPr>
+            <a:spLocks noGrp="1"/>
+          </p:cNvSpPr>
+          <p:nvPr>
+            <p:ph type="sldNum" sz="quarter" idx="12"/>
+          </p:nvPr>
+        </p:nvSpPr>
+        <p:spPr>
+          <a:xfrm>
+            <a:off x="8610600" y="6356350"/>
+            <a:ext cx="2743200" cy="365125"/>
+          </a:xfrm>
+        </p:spPr>
+        <p:txBody>
+          <a:bodyPr/>
+          <a:lstStyle/>
+          <a:p>
+            <a:pPr>
+              <a:spcAft>
+                <a:spcPts val="600"/>
+              </a:spcAft>
+            </a:pPr>
+            <a:fld id="{A49DFD55-3C28-40EF-9E31-A92D2E4017FF}" type="slidenum">
+              <a:rPr lang="en-US" smtClean="0"/>
+              <a:pPr>
+                <a:spcAft>
+                  <a:spcPts val="600"/>
+                </a:spcAft>
+              </a:pPr>
+              <a:t>2</a:t>
+            </a:fld>
+            <a:endParaRPr lang="en-US"/>
           </a:p>
         </p:txBody>
       </p:sp>
@@ -6485,27 +6950,19 @@
         </p:nvSpPr>
         <p:spPr>
           <a:xfrm>
-            <a:off x="1322248" y="532765"/>
-            <a:ext cx="7288282" cy="910445"/>
+            <a:off x="1760974" y="40500"/>
+            <a:ext cx="8670051" cy="674626"/>
           </a:xfrm>
         </p:spPr>
         <p:txBody>
           <a:bodyPr/>
           <a:lstStyle/>
           <a:p>
-            <a:r>
-              <a:rPr lang="hu-HU" dirty="0" err="1"/>
-              <a:t>TASK</a:t>
-            </a:r>
-            <a:r>
-              <a:rPr lang="hu-HU" dirty="0"/>
-              <a:t> AND THE </a:t>
-            </a:r>
-            <a:r>
-              <a:rPr lang="hu-HU" dirty="0" err="1"/>
-              <a:t>MODEL</a:t>
-            </a:r>
-            <a:endParaRPr lang="en-US" dirty="0"/>
+            <a:pPr algn="l"/>
+            <a:r>
+              <a:rPr lang="en-US" dirty="0"/>
+              <a:t>Proposed Method - Custom CNN Model</a:t>
+            </a:r>
           </a:p>
         </p:txBody>
       </p:sp>
@@ -6560,19 +7017,1362 @@
             <p:ph sz="half" idx="2"/>
           </p:nvPr>
         </p:nvSpPr>
-        <p:spPr/>
-        <p:txBody>
-          <a:bodyPr/>
+        <p:spPr>
+          <a:xfrm>
+            <a:off x="110170" y="765823"/>
+            <a:ext cx="11788048" cy="5856358"/>
+          </a:xfrm>
+        </p:spPr>
+        <p:txBody>
+          <a:bodyPr>
+            <a:noAutofit/>
+          </a:bodyPr>
           <a:lstStyle/>
           <a:p>
-            <a:endParaRPr lang="en-US"/>
-          </a:p>
-        </p:txBody>
-      </p:sp>
+            <a:pPr marL="285750" indent="-285750">
+              <a:buFont typeface="Arial" panose="020B0604020202020204" pitchFamily="34" charset="0"/>
+              <a:buChar char="•"/>
+            </a:pPr>
+            <a:r>
+              <a:rPr lang="en-US" dirty="0"/>
+              <a:t>Approach:</a:t>
+            </a:r>
+          </a:p>
+          <a:p>
+            <a:pPr marL="285750" indent="-285750">
+              <a:buFont typeface="Arial" panose="020B0604020202020204" pitchFamily="34" charset="0"/>
+              <a:buChar char="•"/>
+            </a:pPr>
+            <a:r>
+              <a:rPr lang="en-US" b="0" dirty="0"/>
+              <a:t>Developed a custom Convolutional Neural Network (CNN) tailored for multi-label facial attribute classification.</a:t>
+            </a:r>
+          </a:p>
+          <a:p>
+            <a:pPr marL="285750" indent="-285750">
+              <a:buFont typeface="Arial" panose="020B0604020202020204" pitchFamily="34" charset="0"/>
+              <a:buChar char="•"/>
+            </a:pPr>
+            <a:endParaRPr lang="en-US" b="0" dirty="0"/>
+          </a:p>
+          <a:p>
+            <a:pPr marL="285750" indent="-285750">
+              <a:buFont typeface="Arial" panose="020B0604020202020204" pitchFamily="34" charset="0"/>
+              <a:buChar char="•"/>
+            </a:pPr>
+            <a:r>
+              <a:rPr lang="en-US" dirty="0"/>
+              <a:t>Model Design:</a:t>
+            </a:r>
+          </a:p>
+          <a:p>
+            <a:pPr marL="569214" lvl="1"/>
+            <a:r>
+              <a:rPr lang="hu-HU" b="1" dirty="0" err="1"/>
+              <a:t>Appropriate</a:t>
+            </a:r>
+            <a:r>
+              <a:rPr lang="hu-HU" b="1" dirty="0"/>
+              <a:t> </a:t>
+            </a:r>
+            <a:r>
+              <a:rPr lang="en-US" b="1" dirty="0"/>
+              <a:t>activations:</a:t>
+            </a:r>
+          </a:p>
+          <a:p>
+            <a:pPr marL="569214" lvl="1"/>
+            <a:r>
+              <a:rPr lang="en-US" b="0" dirty="0" err="1"/>
+              <a:t>ReLU</a:t>
+            </a:r>
+            <a:r>
+              <a:rPr lang="en-US" b="0" dirty="0"/>
+              <a:t> (Rectified Linear Unit): For non-linear transformations.</a:t>
+            </a:r>
+          </a:p>
+          <a:p>
+            <a:pPr marL="569214" lvl="1"/>
+            <a:r>
+              <a:rPr lang="en-US" b="0" dirty="0"/>
+              <a:t>Sigmoid: For multi-label classification.</a:t>
+            </a:r>
+          </a:p>
+          <a:p>
+            <a:pPr marL="569214" lvl="1"/>
+            <a:r>
+              <a:rPr lang="en-US" b="1" dirty="0"/>
+              <a:t>Optimizer used:</a:t>
+            </a:r>
+          </a:p>
+          <a:p>
+            <a:pPr marL="569214" lvl="1"/>
+            <a:r>
+              <a:rPr lang="en-US" b="0" dirty="0"/>
+              <a:t>Adam: Adaptive learning rate optimization.</a:t>
+            </a:r>
+            <a:endParaRPr lang="hu-HU" b="0" dirty="0"/>
+          </a:p>
+          <a:p>
+            <a:pPr marL="285750" indent="-285750">
+              <a:buFont typeface="Arial" panose="020B0604020202020204" pitchFamily="34" charset="0"/>
+              <a:buChar char="•"/>
+            </a:pPr>
+            <a:endParaRPr lang="en-US" b="0" dirty="0"/>
+          </a:p>
+          <a:p>
+            <a:pPr marL="285750" indent="-285750">
+              <a:buFont typeface="Arial" panose="020B0604020202020204" pitchFamily="34" charset="0"/>
+              <a:buChar char="•"/>
+            </a:pPr>
+            <a:r>
+              <a:rPr lang="en-US" dirty="0"/>
+              <a:t>Training Process:</a:t>
+            </a:r>
+          </a:p>
+          <a:p>
+            <a:pPr marL="285750" indent="-285750">
+              <a:buFont typeface="Arial" panose="020B0604020202020204" pitchFamily="34" charset="0"/>
+              <a:buChar char="•"/>
+            </a:pPr>
+            <a:r>
+              <a:rPr lang="hu-HU" b="0" dirty="0"/>
+              <a:t>The </a:t>
+            </a:r>
+            <a:r>
+              <a:rPr lang="hu-HU" b="0" dirty="0" err="1"/>
+              <a:t>model</a:t>
+            </a:r>
+            <a:r>
+              <a:rPr lang="hu-HU" b="0" dirty="0"/>
+              <a:t> </a:t>
+            </a:r>
+            <a:r>
+              <a:rPr lang="hu-HU" b="0" dirty="0" err="1"/>
+              <a:t>was</a:t>
+            </a:r>
+            <a:r>
+              <a:rPr lang="hu-HU" b="0" dirty="0"/>
+              <a:t> </a:t>
+            </a:r>
+            <a:r>
+              <a:rPr lang="hu-HU" b="0" dirty="0" err="1"/>
+              <a:t>trained</a:t>
+            </a:r>
+            <a:r>
+              <a:rPr lang="hu-HU" b="0" dirty="0"/>
+              <a:t> </a:t>
+            </a:r>
+            <a:r>
+              <a:rPr lang="hu-HU" b="0" dirty="0" err="1"/>
+              <a:t>several</a:t>
+            </a:r>
+            <a:r>
+              <a:rPr lang="hu-HU" b="0" dirty="0"/>
+              <a:t> </a:t>
+            </a:r>
+            <a:r>
+              <a:rPr lang="hu-HU" b="0" dirty="0" err="1"/>
+              <a:t>times</a:t>
+            </a:r>
+            <a:r>
+              <a:rPr lang="hu-HU" b="0" dirty="0"/>
+              <a:t> </a:t>
+            </a:r>
+            <a:r>
+              <a:rPr lang="en-US" b="0" dirty="0"/>
+              <a:t>to improve accuracy.</a:t>
+            </a:r>
+          </a:p>
+          <a:p>
+            <a:pPr marL="285750" indent="-285750">
+              <a:buFont typeface="Arial" panose="020B0604020202020204" pitchFamily="34" charset="0"/>
+              <a:buChar char="•"/>
+            </a:pPr>
+            <a:r>
+              <a:rPr lang="hu-HU" b="0" dirty="0" err="1"/>
+              <a:t>Complexity</a:t>
+            </a:r>
+            <a:r>
+              <a:rPr lang="hu-HU" b="0" dirty="0"/>
+              <a:t> </a:t>
+            </a:r>
+            <a:r>
+              <a:rPr lang="en-US" b="0" dirty="0"/>
+              <a:t>of images displaying </a:t>
+            </a:r>
+            <a:r>
+              <a:rPr lang="en-US" dirty="0"/>
+              <a:t>multiple attributes </a:t>
+            </a:r>
+            <a:r>
+              <a:rPr lang="en-US" b="0" dirty="0"/>
+              <a:t>simultaneously</a:t>
+            </a:r>
+            <a:endParaRPr lang="hu-HU" b="0" dirty="0"/>
+          </a:p>
+          <a:p>
+            <a:pPr marL="285750" indent="-285750">
+              <a:buFont typeface="Arial" panose="020B0604020202020204" pitchFamily="34" charset="0"/>
+              <a:buChar char="•"/>
+            </a:pPr>
+            <a:r>
+              <a:rPr lang="hu-HU" b="0" dirty="0" err="1"/>
+              <a:t>Successfull</a:t>
+            </a:r>
+            <a:r>
+              <a:rPr lang="hu-HU" b="0" dirty="0"/>
+              <a:t> </a:t>
+            </a:r>
+            <a:r>
+              <a:rPr lang="hu-HU" b="0" dirty="0" err="1"/>
+              <a:t>results</a:t>
+            </a:r>
+            <a:r>
+              <a:rPr lang="hu-HU" b="0" dirty="0"/>
+              <a:t> in </a:t>
+            </a:r>
+            <a:r>
+              <a:rPr lang="en-US" b="0" dirty="0"/>
+              <a:t>multi-label classification </a:t>
+            </a:r>
+          </a:p>
+        </p:txBody>
+      </p:sp>
+      <p:pic>
+        <p:nvPicPr>
+          <p:cNvPr id="23" name="Рисунок 22">
+            <a:extLst>
+              <a:ext uri="{FF2B5EF4-FFF2-40B4-BE49-F238E27FC236}">
+                <a16:creationId xmlns:a16="http://schemas.microsoft.com/office/drawing/2014/main" id="{353038B0-2C23-0C0B-57B3-15875FF967D2}"/>
+              </a:ext>
+            </a:extLst>
+          </p:cNvPr>
+          <p:cNvPicPr>
+            <a:picLocks noChangeAspect="1"/>
+          </p:cNvPicPr>
+          <p:nvPr/>
+        </p:nvPicPr>
+        <p:blipFill rotWithShape="1">
+          <a:blip r:embed="rId3"/>
+          <a:srcRect t="58028" r="57604" b="26907"/>
+          <a:stretch/>
+        </p:blipFill>
+        <p:spPr>
+          <a:xfrm>
+            <a:off x="7505914" y="4898795"/>
+            <a:ext cx="4777895" cy="739132"/>
+          </a:xfrm>
+          <a:prstGeom prst="rect">
+            <a:avLst/>
+          </a:prstGeom>
+        </p:spPr>
+      </p:pic>
+      <p:pic>
+        <p:nvPicPr>
+          <p:cNvPr id="24" name="Объект 5">
+            <a:extLst>
+              <a:ext uri="{FF2B5EF4-FFF2-40B4-BE49-F238E27FC236}">
+                <a16:creationId xmlns:a16="http://schemas.microsoft.com/office/drawing/2014/main" id="{F9197D54-F693-439C-B11F-37819AA131B5}"/>
+              </a:ext>
+            </a:extLst>
+          </p:cNvPr>
+          <p:cNvPicPr>
+            <a:picLocks noChangeAspect="1"/>
+          </p:cNvPicPr>
+          <p:nvPr/>
+        </p:nvPicPr>
+        <p:blipFill rotWithShape="1">
+          <a:blip r:embed="rId3"/>
+          <a:srcRect t="4818" r="43019" b="86558"/>
+          <a:stretch/>
+        </p:blipFill>
+        <p:spPr>
+          <a:xfrm>
+            <a:off x="6004194" y="2390660"/>
+            <a:ext cx="6279615" cy="417011"/>
+          </a:xfrm>
+          <a:prstGeom prst="rect">
+            <a:avLst/>
+          </a:prstGeom>
+        </p:spPr>
+      </p:pic>
+      <p:pic>
+        <p:nvPicPr>
+          <p:cNvPr id="25" name="Объект 5">
+            <a:extLst>
+              <a:ext uri="{FF2B5EF4-FFF2-40B4-BE49-F238E27FC236}">
+                <a16:creationId xmlns:a16="http://schemas.microsoft.com/office/drawing/2014/main" id="{7DD742DB-FCB1-81F9-9324-F22E985AC265}"/>
+              </a:ext>
+            </a:extLst>
+          </p:cNvPr>
+          <p:cNvPicPr>
+            <a:picLocks noChangeAspect="1"/>
+          </p:cNvPicPr>
+          <p:nvPr/>
+        </p:nvPicPr>
+        <p:blipFill rotWithShape="1">
+          <a:blip r:embed="rId3"/>
+          <a:srcRect l="3799" t="38474" r="25058" b="51268"/>
+          <a:stretch/>
+        </p:blipFill>
+        <p:spPr>
+          <a:xfrm>
+            <a:off x="5288098" y="3815248"/>
+            <a:ext cx="7840336" cy="495999"/>
+          </a:xfrm>
+          <a:prstGeom prst="rect">
+            <a:avLst/>
+          </a:prstGeom>
+        </p:spPr>
+      </p:pic>
     </p:spTree>
     <p:extLst>
       <p:ext uri="{BB962C8B-B14F-4D97-AF65-F5344CB8AC3E}">
         <p14:creationId xmlns:p14="http://schemas.microsoft.com/office/powerpoint/2010/main" val="3571516367"/>
+      </p:ext>
+    </p:extLst>
+  </p:cSld>
+  <p:clrMapOvr>
+    <a:masterClrMapping/>
+  </p:clrMapOvr>
+</p:sld>
+</file>
+
+<file path=ppt/slides/slide4.xml><?xml version="1.0" encoding="utf-8"?>
+<p:sld xmlns:a="http://schemas.openxmlformats.org/drawingml/2006/main" xmlns:r="http://schemas.openxmlformats.org/officeDocument/2006/relationships" xmlns:p="http://schemas.openxmlformats.org/presentationml/2006/main">
+  <p:cSld>
+    <p:spTree>
+      <p:nvGrpSpPr>
+        <p:cNvPr id="1" name=""/>
+        <p:cNvGrpSpPr/>
+        <p:nvPr/>
+      </p:nvGrpSpPr>
+      <p:grpSpPr>
+        <a:xfrm>
+          <a:off x="0" y="0"/>
+          <a:ext cx="0" cy="0"/>
+          <a:chOff x="0" y="0"/>
+          <a:chExt cx="0" cy="0"/>
+        </a:xfrm>
+      </p:grpSpPr>
+      <p:sp>
+        <p:nvSpPr>
+          <p:cNvPr id="2" name="Title 1">
+            <a:extLst>
+              <a:ext uri="{FF2B5EF4-FFF2-40B4-BE49-F238E27FC236}">
+                <a16:creationId xmlns:a16="http://schemas.microsoft.com/office/drawing/2014/main" id="{0A32731C-311B-46F7-A865-6C3AF6B09A47}"/>
+              </a:ext>
+            </a:extLst>
+          </p:cNvPr>
+          <p:cNvSpPr>
+            <a:spLocks noGrp="1"/>
+          </p:cNvSpPr>
+          <p:nvPr>
+            <p:ph type="title"/>
+          </p:nvPr>
+        </p:nvSpPr>
+        <p:spPr>
+          <a:xfrm>
+            <a:off x="829772" y="0"/>
+            <a:ext cx="10748956" cy="910445"/>
+          </a:xfrm>
+        </p:spPr>
+        <p:txBody>
+          <a:bodyPr/>
+          <a:lstStyle/>
+          <a:p>
+            <a:pPr algn="l"/>
+            <a:r>
+              <a:rPr lang="en-US" dirty="0"/>
+              <a:t>Proposed Method - Pretrained Inception </a:t>
+            </a:r>
+            <a:r>
+              <a:rPr lang="en-US" dirty="0" err="1"/>
+              <a:t>V3</a:t>
+            </a:r>
+            <a:r>
+              <a:rPr lang="en-US" dirty="0"/>
+              <a:t> Model</a:t>
+            </a:r>
+          </a:p>
+        </p:txBody>
+      </p:sp>
+      <p:sp>
+        <p:nvSpPr>
+          <p:cNvPr id="14" name="Slide Number Placeholder 5">
+            <a:extLst>
+              <a:ext uri="{FF2B5EF4-FFF2-40B4-BE49-F238E27FC236}">
+                <a16:creationId xmlns:a16="http://schemas.microsoft.com/office/drawing/2014/main" id="{ECE635A2-70B8-3EAB-6A18-952B02EBAA1E}"/>
+              </a:ext>
+            </a:extLst>
+          </p:cNvPr>
+          <p:cNvSpPr>
+            <a:spLocks noGrp="1"/>
+          </p:cNvSpPr>
+          <p:nvPr>
+            <p:ph type="sldNum" sz="quarter" idx="12"/>
+          </p:nvPr>
+        </p:nvSpPr>
+        <p:spPr>
+          <a:xfrm>
+            <a:off x="10373350" y="6356349"/>
+            <a:ext cx="987552" cy="365125"/>
+          </a:xfrm>
+        </p:spPr>
+        <p:txBody>
+          <a:bodyPr/>
+          <a:lstStyle/>
+          <a:p>
+            <a:fld id="{A49DFD55-3C28-40EF-9E31-A92D2E4017FF}" type="slidenum">
+              <a:rPr lang="en-US" smtClean="0"/>
+              <a:pPr/>
+              <a:t>4</a:t>
+            </a:fld>
+            <a:endParaRPr lang="en-US" dirty="0"/>
+          </a:p>
+        </p:txBody>
+      </p:sp>
+      <p:sp>
+        <p:nvSpPr>
+          <p:cNvPr id="5" name="Объект 4">
+            <a:extLst>
+              <a:ext uri="{FF2B5EF4-FFF2-40B4-BE49-F238E27FC236}">
+                <a16:creationId xmlns:a16="http://schemas.microsoft.com/office/drawing/2014/main" id="{897C188D-2880-FC33-FEE5-6CD6C7B4C5D9}"/>
+              </a:ext>
+            </a:extLst>
+          </p:cNvPr>
+          <p:cNvSpPr>
+            <a:spLocks noGrp="1"/>
+          </p:cNvSpPr>
+          <p:nvPr>
+            <p:ph sz="half" idx="2"/>
+          </p:nvPr>
+        </p:nvSpPr>
+        <p:spPr>
+          <a:xfrm>
+            <a:off x="110170" y="1093082"/>
+            <a:ext cx="11788048" cy="5628392"/>
+          </a:xfrm>
+        </p:spPr>
+        <p:txBody>
+          <a:bodyPr>
+            <a:noAutofit/>
+          </a:bodyPr>
+          <a:lstStyle/>
+          <a:p>
+            <a:pPr marL="285750" indent="-285750">
+              <a:buFont typeface="Arial" panose="020B0604020202020204" pitchFamily="34" charset="0"/>
+              <a:buChar char="•"/>
+            </a:pPr>
+            <a:r>
+              <a:rPr lang="en-US" dirty="0"/>
+              <a:t>Approach:</a:t>
+            </a:r>
+          </a:p>
+          <a:p>
+            <a:pPr marL="285750" indent="-285750">
+              <a:buFont typeface="Arial" panose="020B0604020202020204" pitchFamily="34" charset="0"/>
+              <a:buChar char="•"/>
+            </a:pPr>
+            <a:r>
+              <a:rPr lang="en-US" b="0" dirty="0"/>
+              <a:t>pretrained CNN, with modifications to suit our task</a:t>
+            </a:r>
+            <a:endParaRPr lang="hu-HU" b="0" dirty="0"/>
+          </a:p>
+          <a:p>
+            <a:pPr marL="285750" indent="-285750">
+              <a:buFont typeface="Arial" panose="020B0604020202020204" pitchFamily="34" charset="0"/>
+              <a:buChar char="•"/>
+            </a:pPr>
+            <a:endParaRPr lang="hu-HU" b="0" dirty="0"/>
+          </a:p>
+          <a:p>
+            <a:pPr marL="285750" indent="-285750">
+              <a:buFont typeface="Arial" panose="020B0604020202020204" pitchFamily="34" charset="0"/>
+              <a:buChar char="•"/>
+            </a:pPr>
+            <a:r>
+              <a:rPr lang="hu-HU" dirty="0" err="1"/>
+              <a:t>Inception</a:t>
+            </a:r>
+            <a:r>
+              <a:rPr lang="hu-HU" dirty="0"/>
+              <a:t> </a:t>
+            </a:r>
+            <a:r>
+              <a:rPr lang="hu-HU" dirty="0" err="1"/>
+              <a:t>V3</a:t>
+            </a:r>
+            <a:r>
+              <a:rPr lang="hu-HU" dirty="0"/>
+              <a:t>:</a:t>
+            </a:r>
+          </a:p>
+          <a:p>
+            <a:pPr marL="285750" indent="-285750">
+              <a:buFont typeface="Arial" panose="020B0604020202020204" pitchFamily="34" charset="0"/>
+              <a:buChar char="•"/>
+            </a:pPr>
+            <a:r>
+              <a:rPr lang="en-US" b="0" dirty="0"/>
+              <a:t>image recognition</a:t>
+            </a:r>
+            <a:r>
+              <a:rPr lang="hu-HU" b="0" dirty="0"/>
+              <a:t>, </a:t>
+            </a:r>
+            <a:r>
+              <a:rPr lang="hu-HU" b="0" dirty="0" err="1"/>
+              <a:t>object</a:t>
+            </a:r>
+            <a:r>
+              <a:rPr lang="hu-HU" b="0" dirty="0"/>
+              <a:t> </a:t>
+            </a:r>
+            <a:r>
+              <a:rPr lang="hu-HU" b="0" dirty="0" err="1"/>
+              <a:t>detection</a:t>
+            </a:r>
+            <a:r>
+              <a:rPr lang="en-US" b="0" dirty="0"/>
+              <a:t> model </a:t>
+            </a:r>
+            <a:endParaRPr lang="hu-HU" b="0" dirty="0"/>
+          </a:p>
+          <a:p>
+            <a:pPr marL="285750" indent="-285750">
+              <a:buFont typeface="Arial" panose="020B0604020202020204" pitchFamily="34" charset="0"/>
+              <a:buChar char="•"/>
+            </a:pPr>
+            <a:r>
+              <a:rPr lang="hu-HU" b="0" dirty="0"/>
+              <a:t>shows </a:t>
+            </a:r>
+            <a:r>
+              <a:rPr lang="en-US" b="0" dirty="0"/>
+              <a:t>greater than 78.1% accuracy on the ImageNet dataset</a:t>
+            </a:r>
+            <a:endParaRPr lang="hu-HU" b="0" dirty="0"/>
+          </a:p>
+          <a:p>
+            <a:pPr marL="285750" indent="-285750">
+              <a:buFont typeface="Arial" panose="020B0604020202020204" pitchFamily="34" charset="0"/>
+              <a:buChar char="•"/>
+            </a:pPr>
+            <a:r>
+              <a:rPr lang="en-US" b="0" dirty="0"/>
+              <a:t>including convolutions, average pooling, max pooling, concatenations, dropouts, and fully connected layers</a:t>
+            </a:r>
+            <a:endParaRPr lang="hu-HU" b="0" dirty="0"/>
+          </a:p>
+          <a:p>
+            <a:pPr marL="285750" indent="-285750">
+              <a:buFont typeface="Arial" panose="020B0604020202020204" pitchFamily="34" charset="0"/>
+              <a:buChar char="•"/>
+            </a:pPr>
+            <a:endParaRPr lang="hu-HU" b="0" dirty="0"/>
+          </a:p>
+          <a:p>
+            <a:pPr marL="285750" indent="-285750">
+              <a:buFont typeface="Arial" panose="020B0604020202020204" pitchFamily="34" charset="0"/>
+              <a:buChar char="•"/>
+            </a:pPr>
+            <a:r>
+              <a:rPr lang="hu-HU" dirty="0" err="1"/>
+              <a:t>Results</a:t>
+            </a:r>
+            <a:r>
+              <a:rPr lang="hu-HU" dirty="0"/>
+              <a:t>:</a:t>
+            </a:r>
+          </a:p>
+          <a:p>
+            <a:pPr marL="285750" indent="-285750">
+              <a:buFont typeface="Arial" panose="020B0604020202020204" pitchFamily="34" charset="0"/>
+              <a:buChar char="•"/>
+            </a:pPr>
+            <a:r>
+              <a:rPr lang="hu-HU" b="0" dirty="0"/>
+              <a:t>more </a:t>
+            </a:r>
+            <a:r>
+              <a:rPr lang="hu-HU" b="0" dirty="0" err="1"/>
+              <a:t>accurate</a:t>
+            </a:r>
+            <a:r>
+              <a:rPr lang="hu-HU" b="0" dirty="0"/>
+              <a:t> and </a:t>
+            </a:r>
+            <a:r>
+              <a:rPr lang="hu-HU" b="0" dirty="0" err="1"/>
+              <a:t>efficient</a:t>
+            </a:r>
+            <a:endParaRPr lang="hu-HU" b="0" dirty="0"/>
+          </a:p>
+          <a:p>
+            <a:pPr marL="285750" indent="-285750">
+              <a:buFont typeface="Arial" panose="020B0604020202020204" pitchFamily="34" charset="0"/>
+              <a:buChar char="•"/>
+            </a:pPr>
+            <a:endParaRPr lang="en-US" b="0" dirty="0"/>
+          </a:p>
+        </p:txBody>
+      </p:sp>
+    </p:spTree>
+    <p:extLst>
+      <p:ext uri="{BB962C8B-B14F-4D97-AF65-F5344CB8AC3E}">
+        <p14:creationId xmlns:p14="http://schemas.microsoft.com/office/powerpoint/2010/main" val="415671389"/>
+      </p:ext>
+    </p:extLst>
+  </p:cSld>
+  <p:clrMapOvr>
+    <a:masterClrMapping/>
+  </p:clrMapOvr>
+</p:sld>
+</file>
+
+<file path=ppt/slides/slide5.xml><?xml version="1.0" encoding="utf-8"?>
+<p:sld xmlns:a="http://schemas.openxmlformats.org/drawingml/2006/main" xmlns:r="http://schemas.openxmlformats.org/officeDocument/2006/relationships" xmlns:p="http://schemas.openxmlformats.org/presentationml/2006/main">
+  <p:cSld>
+    <p:spTree>
+      <p:nvGrpSpPr>
+        <p:cNvPr id="1" name=""/>
+        <p:cNvGrpSpPr/>
+        <p:nvPr/>
+      </p:nvGrpSpPr>
+      <p:grpSpPr>
+        <a:xfrm>
+          <a:off x="0" y="0"/>
+          <a:ext cx="0" cy="0"/>
+          <a:chOff x="0" y="0"/>
+          <a:chExt cx="0" cy="0"/>
+        </a:xfrm>
+      </p:grpSpPr>
+      <p:sp>
+        <p:nvSpPr>
+          <p:cNvPr id="2" name="Заголовок 1">
+            <a:extLst>
+              <a:ext uri="{FF2B5EF4-FFF2-40B4-BE49-F238E27FC236}">
+                <a16:creationId xmlns:a16="http://schemas.microsoft.com/office/drawing/2014/main" id="{868BED78-8F89-D2C1-7CDE-4EDF69ABBD7D}"/>
+              </a:ext>
+            </a:extLst>
+          </p:cNvPr>
+          <p:cNvSpPr>
+            <a:spLocks noGrp="1"/>
+          </p:cNvSpPr>
+          <p:nvPr>
+            <p:ph type="title"/>
+          </p:nvPr>
+        </p:nvSpPr>
+        <p:spPr>
+          <a:xfrm>
+            <a:off x="1487571" y="297334"/>
+            <a:ext cx="7288282" cy="781074"/>
+          </a:xfrm>
+        </p:spPr>
+        <p:txBody>
+          <a:bodyPr/>
+          <a:lstStyle/>
+          <a:p>
+            <a:r>
+              <a:rPr lang="hu-HU" dirty="0" err="1"/>
+              <a:t>STATISTICS</a:t>
+            </a:r>
+            <a:endParaRPr lang="en-US" dirty="0"/>
+          </a:p>
+        </p:txBody>
+      </p:sp>
+      <p:sp>
+        <p:nvSpPr>
+          <p:cNvPr id="3" name="Объект 2">
+            <a:extLst>
+              <a:ext uri="{FF2B5EF4-FFF2-40B4-BE49-F238E27FC236}">
+                <a16:creationId xmlns:a16="http://schemas.microsoft.com/office/drawing/2014/main" id="{F646A806-1B5B-CD85-0CD4-90E160C54A71}"/>
+              </a:ext>
+            </a:extLst>
+          </p:cNvPr>
+          <p:cNvSpPr>
+            <a:spLocks noGrp="1"/>
+          </p:cNvSpPr>
+          <p:nvPr>
+            <p:ph sz="half" idx="2"/>
+          </p:nvPr>
+        </p:nvSpPr>
+        <p:spPr/>
+        <p:txBody>
+          <a:bodyPr/>
+          <a:lstStyle/>
+          <a:p>
+            <a:r>
+              <a:rPr lang="hu-HU" dirty="0"/>
+              <a:t>?????????????????????</a:t>
+            </a:r>
+          </a:p>
+          <a:p>
+            <a:r>
+              <a:rPr lang="hu-HU" dirty="0"/>
+              <a:t>Valami </a:t>
+            </a:r>
+            <a:r>
+              <a:rPr lang="hu-HU" dirty="0" err="1"/>
+              <a:t>kep</a:t>
+            </a:r>
+            <a:r>
+              <a:rPr lang="hu-HU" dirty="0"/>
+              <a:t>??? Vagy statisztika</a:t>
+            </a:r>
+          </a:p>
+          <a:p>
+            <a:endParaRPr lang="hu-HU" dirty="0"/>
+          </a:p>
+          <a:p>
+            <a:r>
+              <a:rPr lang="hu-HU" dirty="0"/>
+              <a:t>Ha nincs semmi akkor torold</a:t>
+            </a:r>
+            <a:endParaRPr lang="en-US" dirty="0"/>
+          </a:p>
+        </p:txBody>
+      </p:sp>
+      <p:sp>
+        <p:nvSpPr>
+          <p:cNvPr id="4" name="Номер слайда 3">
+            <a:extLst>
+              <a:ext uri="{FF2B5EF4-FFF2-40B4-BE49-F238E27FC236}">
+                <a16:creationId xmlns:a16="http://schemas.microsoft.com/office/drawing/2014/main" id="{0D275FA7-B0CF-3F56-2F25-1543BEF3AC94}"/>
+              </a:ext>
+            </a:extLst>
+          </p:cNvPr>
+          <p:cNvSpPr>
+            <a:spLocks noGrp="1"/>
+          </p:cNvSpPr>
+          <p:nvPr>
+            <p:ph type="sldNum" sz="quarter" idx="12"/>
+          </p:nvPr>
+        </p:nvSpPr>
+        <p:spPr/>
+        <p:txBody>
+          <a:bodyPr/>
+          <a:lstStyle/>
+          <a:p>
+            <a:fld id="{A49DFD55-3C28-40EF-9E31-A92D2E4017FF}" type="slidenum">
+              <a:rPr lang="en-US" smtClean="0"/>
+              <a:pPr/>
+              <a:t>5</a:t>
+            </a:fld>
+            <a:endParaRPr lang="en-US" dirty="0"/>
+          </a:p>
+        </p:txBody>
+      </p:sp>
+    </p:spTree>
+    <p:extLst>
+      <p:ext uri="{BB962C8B-B14F-4D97-AF65-F5344CB8AC3E}">
+        <p14:creationId xmlns:p14="http://schemas.microsoft.com/office/powerpoint/2010/main" val="2251222077"/>
+      </p:ext>
+    </p:extLst>
+  </p:cSld>
+  <p:clrMapOvr>
+    <a:masterClrMapping/>
+  </p:clrMapOvr>
+</p:sld>
+</file>
+
+<file path=ppt/slides/slide6.xml><?xml version="1.0" encoding="utf-8"?>
+<p:sld xmlns:a="http://schemas.openxmlformats.org/drawingml/2006/main" xmlns:r="http://schemas.openxmlformats.org/officeDocument/2006/relationships" xmlns:p="http://schemas.openxmlformats.org/presentationml/2006/main">
+  <p:cSld>
+    <p:spTree>
+      <p:nvGrpSpPr>
+        <p:cNvPr id="1" name=""/>
+        <p:cNvGrpSpPr/>
+        <p:nvPr/>
+      </p:nvGrpSpPr>
+      <p:grpSpPr>
+        <a:xfrm>
+          <a:off x="0" y="0"/>
+          <a:ext cx="0" cy="0"/>
+          <a:chOff x="0" y="0"/>
+          <a:chExt cx="0" cy="0"/>
+        </a:xfrm>
+      </p:grpSpPr>
+      <p:sp>
+        <p:nvSpPr>
+          <p:cNvPr id="2" name="Заголовок 1">
+            <a:extLst>
+              <a:ext uri="{FF2B5EF4-FFF2-40B4-BE49-F238E27FC236}">
+                <a16:creationId xmlns:a16="http://schemas.microsoft.com/office/drawing/2014/main" id="{0956A0D8-D4B5-7C1B-F8B9-184B79ED21C4}"/>
+              </a:ext>
+            </a:extLst>
+          </p:cNvPr>
+          <p:cNvSpPr>
+            <a:spLocks noGrp="1"/>
+          </p:cNvSpPr>
+          <p:nvPr>
+            <p:ph type="title"/>
+          </p:nvPr>
+        </p:nvSpPr>
+        <p:spPr>
+          <a:xfrm>
+            <a:off x="1322318" y="268361"/>
+            <a:ext cx="7288282" cy="1075698"/>
+          </a:xfrm>
+        </p:spPr>
+        <p:txBody>
+          <a:bodyPr/>
+          <a:lstStyle/>
+          <a:p>
+            <a:r>
+              <a:rPr lang="en-US" dirty="0"/>
+              <a:t>Evaluation</a:t>
+            </a:r>
+            <a:br>
+              <a:rPr lang="en-US" dirty="0"/>
+            </a:br>
+            <a:endParaRPr lang="en-US" dirty="0"/>
+          </a:p>
+        </p:txBody>
+      </p:sp>
+      <p:sp>
+        <p:nvSpPr>
+          <p:cNvPr id="3" name="Объект 2">
+            <a:extLst>
+              <a:ext uri="{FF2B5EF4-FFF2-40B4-BE49-F238E27FC236}">
+                <a16:creationId xmlns:a16="http://schemas.microsoft.com/office/drawing/2014/main" id="{2AAB7132-CAC7-76CC-EEDF-072CFD070BB2}"/>
+              </a:ext>
+            </a:extLst>
+          </p:cNvPr>
+          <p:cNvSpPr>
+            <a:spLocks noGrp="1"/>
+          </p:cNvSpPr>
+          <p:nvPr>
+            <p:ph sz="half" idx="2"/>
+          </p:nvPr>
+        </p:nvSpPr>
+        <p:spPr>
+          <a:xfrm>
+            <a:off x="448210" y="1089536"/>
+            <a:ext cx="11019017" cy="4875330"/>
+          </a:xfrm>
+        </p:spPr>
+        <p:txBody>
+          <a:bodyPr>
+            <a:noAutofit/>
+          </a:bodyPr>
+          <a:lstStyle/>
+          <a:p>
+            <a:pPr marL="285750" indent="-285750">
+              <a:buFont typeface="Arial" panose="020B0604020202020204" pitchFamily="34" charset="0"/>
+              <a:buChar char="•"/>
+            </a:pPr>
+            <a:r>
+              <a:rPr lang="en-US" sz="1600" dirty="0"/>
+              <a:t>Multi-Label Classification Evaluation:</a:t>
+            </a:r>
+          </a:p>
+          <a:p>
+            <a:pPr marL="285750" indent="-285750">
+              <a:buFont typeface="Arial" panose="020B0604020202020204" pitchFamily="34" charset="0"/>
+              <a:buChar char="•"/>
+            </a:pPr>
+            <a:r>
+              <a:rPr lang="en-US" sz="1600" b="0" dirty="0"/>
+              <a:t>Each sample can belong to multiple classes simultaneously</a:t>
+            </a:r>
+          </a:p>
+          <a:p>
+            <a:pPr marL="285750" indent="-285750">
+              <a:buFont typeface="Arial" panose="020B0604020202020204" pitchFamily="34" charset="0"/>
+              <a:buChar char="•"/>
+            </a:pPr>
+            <a:r>
+              <a:rPr lang="en-US" sz="1600" b="0" dirty="0"/>
+              <a:t>Evaluate the model's performance on each attribute separately</a:t>
+            </a:r>
+            <a:r>
+              <a:rPr lang="hu-HU" sz="1600" b="0" dirty="0"/>
+              <a:t> (</a:t>
+            </a:r>
+            <a:r>
+              <a:rPr lang="en-US" sz="1600" b="0" dirty="0"/>
+              <a:t>correct and incorrect predictions for each feature</a:t>
+            </a:r>
+            <a:r>
+              <a:rPr lang="hu-HU" sz="1600" b="0" dirty="0"/>
+              <a:t>)</a:t>
+            </a:r>
+            <a:endParaRPr lang="en-US" sz="1600" b="0" dirty="0"/>
+          </a:p>
+          <a:p>
+            <a:endParaRPr lang="en-US" sz="1600" b="0" dirty="0"/>
+          </a:p>
+          <a:p>
+            <a:pPr marL="285750" indent="-285750">
+              <a:buFont typeface="Arial" panose="020B0604020202020204" pitchFamily="34" charset="0"/>
+              <a:buChar char="•"/>
+            </a:pPr>
+            <a:r>
+              <a:rPr lang="en-US" sz="1600" dirty="0"/>
+              <a:t>Using Scikit-learn:</a:t>
+            </a:r>
+          </a:p>
+          <a:p>
+            <a:pPr marL="285750" indent="-285750">
+              <a:buFont typeface="Arial" panose="020B0604020202020204" pitchFamily="34" charset="0"/>
+              <a:buChar char="•"/>
+            </a:pPr>
+            <a:r>
+              <a:rPr lang="en-US" sz="1600" b="0" dirty="0"/>
+              <a:t>Weighted </a:t>
+            </a:r>
+            <a:r>
+              <a:rPr lang="en-US" sz="1600" b="0" dirty="0" err="1"/>
+              <a:t>F1</a:t>
+            </a:r>
+            <a:r>
+              <a:rPr lang="en-US" sz="1600" b="0" dirty="0"/>
+              <a:t>-Score</a:t>
+            </a:r>
+          </a:p>
+          <a:p>
+            <a:pPr marL="285750" indent="-285750">
+              <a:buFont typeface="Arial" panose="020B0604020202020204" pitchFamily="34" charset="0"/>
+              <a:buChar char="•"/>
+            </a:pPr>
+            <a:r>
+              <a:rPr lang="en-US" sz="1600" b="0" dirty="0"/>
+              <a:t>Recall</a:t>
+            </a:r>
+            <a:endParaRPr lang="hu-HU" sz="1600" b="0" dirty="0"/>
+          </a:p>
+          <a:p>
+            <a:pPr marL="285750" indent="-285750">
+              <a:buFont typeface="Arial" panose="020B0604020202020204" pitchFamily="34" charset="0"/>
+              <a:buChar char="•"/>
+            </a:pPr>
+            <a:r>
+              <a:rPr lang="en-US" sz="1600" b="0" dirty="0"/>
+              <a:t>Precision</a:t>
+            </a:r>
+          </a:p>
+        </p:txBody>
+      </p:sp>
+      <p:pic>
+        <p:nvPicPr>
+          <p:cNvPr id="13" name="Рисунок 12">
+            <a:extLst>
+              <a:ext uri="{FF2B5EF4-FFF2-40B4-BE49-F238E27FC236}">
+                <a16:creationId xmlns:a16="http://schemas.microsoft.com/office/drawing/2014/main" id="{9D804C34-9568-4BF8-72FA-3D173CB00950}"/>
+              </a:ext>
+            </a:extLst>
+          </p:cNvPr>
+          <p:cNvPicPr>
+            <a:picLocks noChangeAspect="1"/>
+          </p:cNvPicPr>
+          <p:nvPr/>
+        </p:nvPicPr>
+        <p:blipFill>
+          <a:blip r:embed="rId2">
+            <a:alphaModFix amt="85000"/>
+          </a:blip>
+          <a:stretch>
+            <a:fillRect/>
+          </a:stretch>
+        </p:blipFill>
+        <p:spPr>
+          <a:xfrm>
+            <a:off x="4927490" y="2850922"/>
+            <a:ext cx="6653777" cy="2146380"/>
+          </a:xfrm>
+          <a:prstGeom prst="rect">
+            <a:avLst/>
+          </a:prstGeom>
+        </p:spPr>
+      </p:pic>
+    </p:spTree>
+    <p:extLst>
+      <p:ext uri="{BB962C8B-B14F-4D97-AF65-F5344CB8AC3E}">
+        <p14:creationId xmlns:p14="http://schemas.microsoft.com/office/powerpoint/2010/main" val="2473852195"/>
+      </p:ext>
+    </p:extLst>
+  </p:cSld>
+  <p:clrMapOvr>
+    <a:masterClrMapping/>
+  </p:clrMapOvr>
+</p:sld>
+</file>
+
+<file path=ppt/slides/slide7.xml><?xml version="1.0" encoding="utf-8"?>
+<p:sld xmlns:a="http://schemas.openxmlformats.org/drawingml/2006/main" xmlns:r="http://schemas.openxmlformats.org/officeDocument/2006/relationships" xmlns:p="http://schemas.openxmlformats.org/presentationml/2006/main">
+  <p:cSld>
+    <p:spTree>
+      <p:nvGrpSpPr>
+        <p:cNvPr id="1" name=""/>
+        <p:cNvGrpSpPr/>
+        <p:nvPr/>
+      </p:nvGrpSpPr>
+      <p:grpSpPr>
+        <a:xfrm>
+          <a:off x="0" y="0"/>
+          <a:ext cx="0" cy="0"/>
+          <a:chOff x="0" y="0"/>
+          <a:chExt cx="0" cy="0"/>
+        </a:xfrm>
+      </p:grpSpPr>
+      <p:sp>
+        <p:nvSpPr>
+          <p:cNvPr id="2" name="Заголовок 1">
+            <a:extLst>
+              <a:ext uri="{FF2B5EF4-FFF2-40B4-BE49-F238E27FC236}">
+                <a16:creationId xmlns:a16="http://schemas.microsoft.com/office/drawing/2014/main" id="{42830E81-FFBD-4169-ED25-8FA28E3E19F4}"/>
+              </a:ext>
+            </a:extLst>
+          </p:cNvPr>
+          <p:cNvSpPr>
+            <a:spLocks noGrp="1"/>
+          </p:cNvSpPr>
+          <p:nvPr>
+            <p:ph type="title"/>
+          </p:nvPr>
+        </p:nvSpPr>
+        <p:spPr>
+          <a:xfrm>
+            <a:off x="1322318" y="268361"/>
+            <a:ext cx="7288282" cy="745192"/>
+          </a:xfrm>
+        </p:spPr>
+        <p:txBody>
+          <a:bodyPr/>
+          <a:lstStyle/>
+          <a:p>
+            <a:r>
+              <a:rPr lang="hu-HU" dirty="0" err="1"/>
+              <a:t>Summary</a:t>
+            </a:r>
+            <a:endParaRPr lang="en-US" dirty="0"/>
+          </a:p>
+        </p:txBody>
+      </p:sp>
+      <p:sp>
+        <p:nvSpPr>
+          <p:cNvPr id="3" name="Объект 2">
+            <a:extLst>
+              <a:ext uri="{FF2B5EF4-FFF2-40B4-BE49-F238E27FC236}">
+                <a16:creationId xmlns:a16="http://schemas.microsoft.com/office/drawing/2014/main" id="{B67957E7-C483-51BE-81D1-0D917531FCBE}"/>
+              </a:ext>
+            </a:extLst>
+          </p:cNvPr>
+          <p:cNvSpPr>
+            <a:spLocks noGrp="1"/>
+          </p:cNvSpPr>
+          <p:nvPr>
+            <p:ph sz="half" idx="2"/>
+          </p:nvPr>
+        </p:nvSpPr>
+        <p:spPr>
+          <a:xfrm>
+            <a:off x="452056" y="2013931"/>
+            <a:ext cx="7193650" cy="3407051"/>
+          </a:xfrm>
+        </p:spPr>
+        <p:txBody>
+          <a:bodyPr/>
+          <a:lstStyle/>
+          <a:p>
+            <a:pPr marL="285750" indent="-285750">
+              <a:buFont typeface="Arial" panose="020B0604020202020204" pitchFamily="34" charset="0"/>
+              <a:buChar char="•"/>
+            </a:pPr>
+            <a:r>
+              <a:rPr lang="en-US" b="0" dirty="0"/>
+              <a:t>balanced accuracy</a:t>
+            </a:r>
+            <a:r>
+              <a:rPr lang="hu-HU" b="0" dirty="0"/>
+              <a:t> </a:t>
+            </a:r>
+            <a:r>
+              <a:rPr lang="hu-HU" b="0" dirty="0" err="1"/>
+              <a:t>with</a:t>
+            </a:r>
+            <a:r>
+              <a:rPr lang="hu-HU" b="0" dirty="0"/>
+              <a:t> </a:t>
+            </a:r>
+            <a:r>
+              <a:rPr lang="hu-HU" b="0" dirty="0" err="1"/>
+              <a:t>custom</a:t>
+            </a:r>
+            <a:r>
+              <a:rPr lang="hu-HU" b="0" dirty="0"/>
+              <a:t> CNN </a:t>
+            </a:r>
+            <a:r>
+              <a:rPr lang="hu-HU" b="0" dirty="0" err="1"/>
+              <a:t>model</a:t>
+            </a:r>
+            <a:endParaRPr lang="hu-HU" b="0" dirty="0"/>
+          </a:p>
+          <a:p>
+            <a:pPr marL="285750" indent="-285750">
+              <a:buFont typeface="Arial" panose="020B0604020202020204" pitchFamily="34" charset="0"/>
+              <a:buChar char="•"/>
+            </a:pPr>
+            <a:r>
+              <a:rPr lang="en-US" b="0" dirty="0"/>
+              <a:t>images often contained several attributes simultaneously</a:t>
+            </a:r>
+            <a:r>
+              <a:rPr lang="hu-HU" b="0" dirty="0"/>
+              <a:t> -&gt; </a:t>
+            </a:r>
+            <a:r>
+              <a:rPr lang="en-US" b="0" dirty="0"/>
+              <a:t>some errors may be caused by the dataset</a:t>
+            </a:r>
+            <a:endParaRPr lang="hu-HU" b="0" dirty="0"/>
+          </a:p>
+          <a:p>
+            <a:pPr marL="285750" indent="-285750">
+              <a:buFont typeface="Arial" panose="020B0604020202020204" pitchFamily="34" charset="0"/>
+              <a:buChar char="•"/>
+            </a:pPr>
+            <a:r>
+              <a:rPr lang="hu-HU" b="0" dirty="0" err="1"/>
+              <a:t>pretrained</a:t>
+            </a:r>
+            <a:r>
+              <a:rPr lang="hu-HU" b="0" dirty="0"/>
+              <a:t> </a:t>
+            </a:r>
+            <a:r>
+              <a:rPr lang="hu-HU" b="0" dirty="0" err="1"/>
+              <a:t>model</a:t>
+            </a:r>
+            <a:r>
+              <a:rPr lang="hu-HU" b="0" dirty="0"/>
+              <a:t> is </a:t>
+            </a:r>
+            <a:r>
+              <a:rPr lang="hu-HU" b="0" dirty="0" err="1"/>
+              <a:t>to</a:t>
+            </a:r>
+            <a:r>
+              <a:rPr lang="hu-HU" b="0" dirty="0"/>
+              <a:t> be more </a:t>
+            </a:r>
+            <a:r>
+              <a:rPr lang="hu-HU" b="0" dirty="0" err="1"/>
+              <a:t>accurate</a:t>
+            </a:r>
+            <a:endParaRPr lang="hu-HU" b="0" dirty="0"/>
+          </a:p>
+          <a:p>
+            <a:pPr marL="285750" indent="-285750">
+              <a:buFont typeface="Arial" panose="020B0604020202020204" pitchFamily="34" charset="0"/>
+              <a:buChar char="•"/>
+            </a:pPr>
+            <a:endParaRPr lang="hu-HU" b="0" dirty="0"/>
+          </a:p>
+          <a:p>
+            <a:pPr marL="285750" indent="-285750">
+              <a:buFont typeface="Arial" panose="020B0604020202020204" pitchFamily="34" charset="0"/>
+              <a:buChar char="•"/>
+            </a:pPr>
+            <a:endParaRPr lang="hu-HU" b="0" dirty="0"/>
+          </a:p>
+          <a:p>
+            <a:pPr marL="285750" indent="-285750">
+              <a:buFont typeface="Arial" panose="020B0604020202020204" pitchFamily="34" charset="0"/>
+              <a:buChar char="•"/>
+            </a:pPr>
+            <a:r>
+              <a:rPr lang="hu-HU" b="0" dirty="0"/>
+              <a:t>VALAMI </a:t>
+            </a:r>
+            <a:r>
+              <a:rPr lang="hu-HU" b="0" dirty="0" err="1"/>
+              <a:t>KEP</a:t>
+            </a:r>
+            <a:r>
+              <a:rPr lang="hu-HU" b="0" dirty="0"/>
+              <a:t> VAGY MEG VALAMI???</a:t>
+            </a:r>
+          </a:p>
+          <a:p>
+            <a:pPr marL="285750" indent="-285750">
+              <a:buFont typeface="Arial" panose="020B0604020202020204" pitchFamily="34" charset="0"/>
+              <a:buChar char="•"/>
+            </a:pPr>
+            <a:endParaRPr lang="en-US" b="0" dirty="0"/>
+          </a:p>
+        </p:txBody>
+      </p:sp>
+      <p:sp>
+        <p:nvSpPr>
+          <p:cNvPr id="4" name="Номер слайда 3">
+            <a:extLst>
+              <a:ext uri="{FF2B5EF4-FFF2-40B4-BE49-F238E27FC236}">
+                <a16:creationId xmlns:a16="http://schemas.microsoft.com/office/drawing/2014/main" id="{44B3472C-2C44-AF01-B5D3-D866ADA56544}"/>
+              </a:ext>
+            </a:extLst>
+          </p:cNvPr>
+          <p:cNvSpPr>
+            <a:spLocks noGrp="1"/>
+          </p:cNvSpPr>
+          <p:nvPr>
+            <p:ph type="sldNum" sz="quarter" idx="12"/>
+          </p:nvPr>
+        </p:nvSpPr>
+        <p:spPr/>
+        <p:txBody>
+          <a:bodyPr/>
+          <a:lstStyle/>
+          <a:p>
+            <a:fld id="{A49DFD55-3C28-40EF-9E31-A92D2E4017FF}" type="slidenum">
+              <a:rPr lang="en-US" smtClean="0"/>
+              <a:pPr/>
+              <a:t>7</a:t>
+            </a:fld>
+            <a:endParaRPr lang="en-US" dirty="0"/>
+          </a:p>
+        </p:txBody>
+      </p:sp>
+    </p:spTree>
+    <p:extLst>
+      <p:ext uri="{BB962C8B-B14F-4D97-AF65-F5344CB8AC3E}">
+        <p14:creationId xmlns:p14="http://schemas.microsoft.com/office/powerpoint/2010/main" val="3711323586"/>
+      </p:ext>
+    </p:extLst>
+  </p:cSld>
+  <p:clrMapOvr>
+    <a:masterClrMapping/>
+  </p:clrMapOvr>
+</p:sld>
+</file>
+
+<file path=ppt/slides/slide8.xml><?xml version="1.0" encoding="utf-8"?>
+<p:sld xmlns:a="http://schemas.openxmlformats.org/drawingml/2006/main" xmlns:r="http://schemas.openxmlformats.org/officeDocument/2006/relationships" xmlns:p="http://schemas.openxmlformats.org/presentationml/2006/main">
+  <p:cSld>
+    <p:spTree>
+      <p:nvGrpSpPr>
+        <p:cNvPr id="1" name=""/>
+        <p:cNvGrpSpPr/>
+        <p:nvPr/>
+      </p:nvGrpSpPr>
+      <p:grpSpPr>
+        <a:xfrm>
+          <a:off x="0" y="0"/>
+          <a:ext cx="0" cy="0"/>
+          <a:chOff x="0" y="0"/>
+          <a:chExt cx="0" cy="0"/>
+        </a:xfrm>
+      </p:grpSpPr>
+      <p:sp>
+        <p:nvSpPr>
+          <p:cNvPr id="2" name="Заголовок 1">
+            <a:extLst>
+              <a:ext uri="{FF2B5EF4-FFF2-40B4-BE49-F238E27FC236}">
+                <a16:creationId xmlns:a16="http://schemas.microsoft.com/office/drawing/2014/main" id="{F8B2987F-C12F-339E-2CC1-E580A58EFDB1}"/>
+              </a:ext>
+            </a:extLst>
+          </p:cNvPr>
+          <p:cNvSpPr>
+            <a:spLocks noGrp="1"/>
+          </p:cNvSpPr>
+          <p:nvPr>
+            <p:ph type="title"/>
+          </p:nvPr>
+        </p:nvSpPr>
+        <p:spPr>
+          <a:xfrm>
+            <a:off x="2451859" y="1307823"/>
+            <a:ext cx="7288282" cy="2121177"/>
+          </a:xfrm>
+        </p:spPr>
+        <p:txBody>
+          <a:bodyPr/>
+          <a:lstStyle/>
+          <a:p>
+            <a:pPr algn="ctr"/>
+            <a:r>
+              <a:rPr lang="hu-HU" dirty="0" err="1"/>
+              <a:t>THANK</a:t>
+            </a:r>
+            <a:r>
+              <a:rPr lang="hu-HU" dirty="0"/>
+              <a:t> </a:t>
+            </a:r>
+            <a:r>
+              <a:rPr lang="hu-HU" dirty="0" err="1"/>
+              <a:t>YOU</a:t>
+            </a:r>
+            <a:r>
+              <a:rPr lang="hu-HU" dirty="0"/>
+              <a:t> </a:t>
+            </a:r>
+            <a:r>
+              <a:rPr lang="hu-HU" dirty="0" err="1"/>
+              <a:t>FOR</a:t>
+            </a:r>
+            <a:r>
+              <a:rPr lang="hu-HU" dirty="0"/>
+              <a:t> </a:t>
+            </a:r>
+            <a:r>
+              <a:rPr lang="hu-HU" dirty="0" err="1"/>
+              <a:t>YOUR</a:t>
+            </a:r>
+            <a:r>
+              <a:rPr lang="hu-HU" dirty="0"/>
+              <a:t> </a:t>
+            </a:r>
+            <a:r>
+              <a:rPr lang="hu-HU" dirty="0" err="1"/>
+              <a:t>ATTENTION</a:t>
+            </a:r>
+            <a:r>
+              <a:rPr lang="hu-HU" dirty="0"/>
+              <a:t>!</a:t>
+            </a:r>
+            <a:endParaRPr lang="en-US" dirty="0"/>
+          </a:p>
+        </p:txBody>
+      </p:sp>
+      <p:sp>
+        <p:nvSpPr>
+          <p:cNvPr id="4" name="Номер слайда 3">
+            <a:extLst>
+              <a:ext uri="{FF2B5EF4-FFF2-40B4-BE49-F238E27FC236}">
+                <a16:creationId xmlns:a16="http://schemas.microsoft.com/office/drawing/2014/main" id="{9F155031-9123-9668-CBFA-ACF2CFB5A1DD}"/>
+              </a:ext>
+            </a:extLst>
+          </p:cNvPr>
+          <p:cNvSpPr>
+            <a:spLocks noGrp="1"/>
+          </p:cNvSpPr>
+          <p:nvPr>
+            <p:ph type="sldNum" sz="quarter" idx="12"/>
+          </p:nvPr>
+        </p:nvSpPr>
+        <p:spPr/>
+        <p:txBody>
+          <a:bodyPr/>
+          <a:lstStyle/>
+          <a:p>
+            <a:fld id="{A49DFD55-3C28-40EF-9E31-A92D2E4017FF}" type="slidenum">
+              <a:rPr lang="en-US" smtClean="0"/>
+              <a:pPr/>
+              <a:t>8</a:t>
+            </a:fld>
+            <a:endParaRPr lang="en-US" dirty="0"/>
+          </a:p>
+        </p:txBody>
+      </p:sp>
+    </p:spTree>
+    <p:extLst>
+      <p:ext uri="{BB962C8B-B14F-4D97-AF65-F5344CB8AC3E}">
+        <p14:creationId xmlns:p14="http://schemas.microsoft.com/office/powerpoint/2010/main" val="1159175630"/>
       </p:ext>
     </p:extLst>
   </p:cSld>
@@ -7374,6 +9174,35 @@
 </file>
 
 <file path=customXml/item1.xml><?xml version="1.0" encoding="utf-8"?>
+<?mso-contentType ?>
+<FormTemplates xmlns="http://schemas.microsoft.com/sharepoint/v3/contenttype/forms">
+  <Display>DocumentLibraryForm</Display>
+  <Edit>DocumentLibraryForm</Edit>
+  <New>DocumentLibraryForm</New>
+</FormTemplates>
+</file>
+
+<file path=customXml/item2.xml><?xml version="1.0" encoding="utf-8"?>
+<p:properties xmlns:p="http://schemas.microsoft.com/office/2006/metadata/properties" xmlns:xsi="http://www.w3.org/2001/XMLSchema-instance" xmlns:pc="http://schemas.microsoft.com/office/infopath/2007/PartnerControls">
+  <documentManagement>
+    <_ip_UnifiedCompliancePolicyUIAction xmlns="http://schemas.microsoft.com/sharepoint/v3" xsi:nil="true"/>
+    <Image xmlns="71af3243-3dd4-4a8d-8c0d-dd76da1f02a5">
+      <Url xsi:nil="true"/>
+      <Description xsi:nil="true"/>
+    </Image>
+    <Status xmlns="71af3243-3dd4-4a8d-8c0d-dd76da1f02a5">Not started</Status>
+    <Background xmlns="71af3243-3dd4-4a8d-8c0d-dd76da1f02a5">false</Background>
+    <_ip_UnifiedCompliancePolicyProperties xmlns="http://schemas.microsoft.com/sharepoint/v3" xsi:nil="true"/>
+    <ImageTagsTaxHTField xmlns="71af3243-3dd4-4a8d-8c0d-dd76da1f02a5">
+      <Terms xmlns="http://schemas.microsoft.com/office/infopath/2007/PartnerControls"/>
+    </ImageTagsTaxHTField>
+    <TaxCatchAll xmlns="230e9df3-be65-4c73-a93b-d1236ebd677e" xsi:nil="true"/>
+    <MediaServiceKeyPoints xmlns="71af3243-3dd4-4a8d-8c0d-dd76da1f02a5" xsi:nil="true"/>
+  </documentManagement>
+</p:properties>
+</file>
+
+<file path=customXml/item3.xml><?xml version="1.0" encoding="utf-8"?>
 <ct:contentTypeSchema xmlns:ct="http://schemas.microsoft.com/office/2006/metadata/contentType" xmlns:ma="http://schemas.microsoft.com/office/2006/metadata/properties/metaAttributes" ct:_="" ma:_="" ma:contentTypeName="Document" ma:contentTypeID="0x01010079F111ED35F8CC479449609E8A0923A6" ma:contentTypeVersion="28" ma:contentTypeDescription="Create a new document." ma:contentTypeScope="" ma:versionID="60f5a4f2d2b0abadcf532d48ebf9cb71">
   <xsd:schema xmlns:xsd="http://www.w3.org/2001/XMLSchema" xmlns:xs="http://www.w3.org/2001/XMLSchema" xmlns:p="http://schemas.microsoft.com/office/2006/metadata/properties" xmlns:ns1="http://schemas.microsoft.com/sharepoint/v3" xmlns:ns2="71af3243-3dd4-4a8d-8c0d-dd76da1f02a5" xmlns:ns3="16c05727-aa75-4e4a-9b5f-8a80a1165891" xmlns:ns4="230e9df3-be65-4c73-a93b-d1236ebd677e" targetNamespace="http://schemas.microsoft.com/office/2006/metadata/properties" ma:root="true" ma:fieldsID="7dd78129e6a1811f84807ad11c651531" ns1:_="" ns2:_="" ns3:_="" ns4:_="">
     <xsd:import namespace="http://schemas.microsoft.com/sharepoint/v3"/>
@@ -7685,36 +9514,27 @@
 </ct:contentTypeSchema>
 </file>
 
-<file path=customXml/item2.xml><?xml version="1.0" encoding="utf-8"?>
-<p:properties xmlns:p="http://schemas.microsoft.com/office/2006/metadata/properties" xmlns:xsi="http://www.w3.org/2001/XMLSchema-instance" xmlns:pc="http://schemas.microsoft.com/office/infopath/2007/PartnerControls">
-  <documentManagement>
-    <_ip_UnifiedCompliancePolicyUIAction xmlns="http://schemas.microsoft.com/sharepoint/v3" xsi:nil="true"/>
-    <Image xmlns="71af3243-3dd4-4a8d-8c0d-dd76da1f02a5">
-      <Url xsi:nil="true"/>
-      <Description xsi:nil="true"/>
-    </Image>
-    <Status xmlns="71af3243-3dd4-4a8d-8c0d-dd76da1f02a5">Not started</Status>
-    <Background xmlns="71af3243-3dd4-4a8d-8c0d-dd76da1f02a5">false</Background>
-    <_ip_UnifiedCompliancePolicyProperties xmlns="http://schemas.microsoft.com/sharepoint/v3" xsi:nil="true"/>
-    <ImageTagsTaxHTField xmlns="71af3243-3dd4-4a8d-8c0d-dd76da1f02a5">
-      <Terms xmlns="http://schemas.microsoft.com/office/infopath/2007/PartnerControls"/>
-    </ImageTagsTaxHTField>
-    <TaxCatchAll xmlns="230e9df3-be65-4c73-a93b-d1236ebd677e" xsi:nil="true"/>
-    <MediaServiceKeyPoints xmlns="71af3243-3dd4-4a8d-8c0d-dd76da1f02a5" xsi:nil="true"/>
-  </documentManagement>
-</p:properties>
+<file path=customXml/itemProps1.xml><?xml version="1.0" encoding="utf-8"?>
+<ds:datastoreItem xmlns:ds="http://schemas.openxmlformats.org/officeDocument/2006/customXml" ds:itemID="{CABF691C-888B-4061-8A6F-D5CE84A0254B}">
+  <ds:schemaRefs>
+    <ds:schemaRef ds:uri="http://schemas.microsoft.com/sharepoint/v3/contenttype/forms"/>
+  </ds:schemaRefs>
+</ds:datastoreItem>
 </file>
 
-<file path=customXml/item3.xml><?xml version="1.0" encoding="utf-8"?>
-<?mso-contentType ?>
-<FormTemplates xmlns="http://schemas.microsoft.com/sharepoint/v3/contenttype/forms">
-  <Display>DocumentLibraryForm</Display>
-  <Edit>DocumentLibraryForm</Edit>
-  <New>DocumentLibraryForm</New>
-</FormTemplates>
+<file path=customXml/itemProps2.xml><?xml version="1.0" encoding="utf-8"?>
+<ds:datastoreItem xmlns:ds="http://schemas.openxmlformats.org/officeDocument/2006/customXml" ds:itemID="{49168DCE-134F-4610-A6AA-88CEBE8D71D2}">
+  <ds:schemaRefs>
+    <ds:schemaRef ds:uri="http://schemas.microsoft.com/office/2006/metadata/properties"/>
+    <ds:schemaRef ds:uri="http://schemas.microsoft.com/office/infopath/2007/PartnerControls"/>
+    <ds:schemaRef ds:uri="http://schemas.microsoft.com/sharepoint/v3"/>
+    <ds:schemaRef ds:uri="71af3243-3dd4-4a8d-8c0d-dd76da1f02a5"/>
+    <ds:schemaRef ds:uri="230e9df3-be65-4c73-a93b-d1236ebd677e"/>
+  </ds:schemaRefs>
+</ds:datastoreItem>
 </file>
 
-<file path=customXml/itemProps1.xml><?xml version="1.0" encoding="utf-8"?>
+<file path=customXml/itemProps3.xml><?xml version="1.0" encoding="utf-8"?>
 <ds:datastoreItem xmlns:ds="http://schemas.openxmlformats.org/officeDocument/2006/customXml" ds:itemID="{5EDE3176-A15D-46A3-BDDB-64A0D7363224}">
   <ds:schemaRefs>
     <ds:schemaRef ds:uri="http://schemas.microsoft.com/office/2006/metadata/contentType"/>
@@ -7735,26 +9555,6 @@
 </ds:datastoreItem>
 </file>
 
-<file path=customXml/itemProps2.xml><?xml version="1.0" encoding="utf-8"?>
-<ds:datastoreItem xmlns:ds="http://schemas.openxmlformats.org/officeDocument/2006/customXml" ds:itemID="{49168DCE-134F-4610-A6AA-88CEBE8D71D2}">
-  <ds:schemaRefs>
-    <ds:schemaRef ds:uri="http://schemas.microsoft.com/office/2006/metadata/properties"/>
-    <ds:schemaRef ds:uri="http://schemas.microsoft.com/office/infopath/2007/PartnerControls"/>
-    <ds:schemaRef ds:uri="http://schemas.microsoft.com/sharepoint/v3"/>
-    <ds:schemaRef ds:uri="71af3243-3dd4-4a8d-8c0d-dd76da1f02a5"/>
-    <ds:schemaRef ds:uri="230e9df3-be65-4c73-a93b-d1236ebd677e"/>
-  </ds:schemaRefs>
-</ds:datastoreItem>
-</file>
-
-<file path=customXml/itemProps3.xml><?xml version="1.0" encoding="utf-8"?>
-<ds:datastoreItem xmlns:ds="http://schemas.openxmlformats.org/officeDocument/2006/customXml" ds:itemID="{CABF691C-888B-4061-8A6F-D5CE84A0254B}">
-  <ds:schemaRefs>
-    <ds:schemaRef ds:uri="http://schemas.microsoft.com/sharepoint/v3/contenttype/forms"/>
-  </ds:schemaRefs>
-</ds:datastoreItem>
-</file>
-
 <file path=docMetadata/LabelInfo.xml><?xml version="1.0" encoding="utf-8"?>
 <clbl:labelList xmlns:clbl="http://schemas.microsoft.com/office/2020/mipLabelMetadata"/>
 </file>
--- a/FACIALATTRIBUTES-DL.pptx
+++ b/FACIALATTRIBUTES-DL.pptx
@@ -5,20 +5,19 @@
     <p:sldMasterId id="2147483648" r:id="rId4"/>
   </p:sldMasterIdLst>
   <p:notesMasterIdLst>
-    <p:notesMasterId r:id="rId13"/>
+    <p:notesMasterId r:id="rId12"/>
   </p:notesMasterIdLst>
   <p:handoutMasterIdLst>
-    <p:handoutMasterId r:id="rId14"/>
+    <p:handoutMasterId r:id="rId13"/>
   </p:handoutMasterIdLst>
   <p:sldIdLst>
     <p:sldId id="256" r:id="rId5"/>
     <p:sldId id="278" r:id="rId6"/>
     <p:sldId id="258" r:id="rId7"/>
     <p:sldId id="281" r:id="rId8"/>
-    <p:sldId id="284" r:id="rId9"/>
-    <p:sldId id="282" r:id="rId10"/>
-    <p:sldId id="283" r:id="rId11"/>
-    <p:sldId id="285" r:id="rId12"/>
+    <p:sldId id="282" r:id="rId9"/>
+    <p:sldId id="283" r:id="rId10"/>
+    <p:sldId id="285" r:id="rId11"/>
   </p:sldIdLst>
   <p:sldSz cx="12192000" cy="6858000"/>
   <p:notesSz cx="6858000" cy="9144000"/>
@@ -222,7 +221,7 @@
           <a:p>
             <a:fld id="{B56F32FC-4BD9-442A-A8C6-51598C909FE3}" type="datetimeFigureOut">
               <a:rPr lang="en-US" smtClean="0"/>
-              <a:t>5/20/2024</a:t>
+              <a:t>5/21/2024</a:t>
             </a:fld>
             <a:endParaRPr lang="en-US" dirty="0"/>
           </a:p>
@@ -399,7 +398,7 @@
           <a:p>
             <a:fld id="{056371FA-A98D-41E8-93F4-09945841298A}" type="datetimeFigureOut">
               <a:rPr lang="en-US" smtClean="0"/>
-              <a:t>5/20/2024</a:t>
+              <a:t>5/21/2024</a:t>
             </a:fld>
             <a:endParaRPr lang="en-US" dirty="0"/>
           </a:p>
@@ -7318,7 +7317,7 @@
         </p:blipFill>
         <p:spPr>
           <a:xfrm>
-            <a:off x="5288098" y="3815248"/>
+            <a:off x="4621348" y="3802330"/>
             <a:ext cx="7840336" cy="495999"/>
           </a:xfrm>
           <a:prstGeom prst="rect">
@@ -7655,7 +7654,7 @@
           <p:cNvPr id="2" name="Заголовок 1">
             <a:extLst>
               <a:ext uri="{FF2B5EF4-FFF2-40B4-BE49-F238E27FC236}">
-                <a16:creationId xmlns:a16="http://schemas.microsoft.com/office/drawing/2014/main" id="{868BED78-8F89-D2C1-7CDE-4EDF69ABBD7D}"/>
+                <a16:creationId xmlns:a16="http://schemas.microsoft.com/office/drawing/2014/main" id="{0956A0D8-D4B5-7C1B-F8B9-184B79ED21C4}"/>
               </a:ext>
             </a:extLst>
           </p:cNvPr>
@@ -7668,8 +7667,8 @@
         </p:nvSpPr>
         <p:spPr>
           <a:xfrm>
-            <a:off x="1487571" y="297334"/>
-            <a:ext cx="7288282" cy="781074"/>
+            <a:off x="1322318" y="268361"/>
+            <a:ext cx="7288282" cy="1075698"/>
           </a:xfrm>
         </p:spPr>
         <p:txBody>
@@ -7677,9 +7676,12 @@
           <a:lstStyle/>
           <a:p>
             <a:r>
-              <a:rPr lang="hu-HU" dirty="0" err="1"/>
-              <a:t>STATISTICS</a:t>
-            </a:r>
+              <a:rPr lang="en-US" dirty="0"/>
+              <a:t>Evaluation</a:t>
+            </a:r>
+            <a:br>
+              <a:rPr lang="en-US" dirty="0"/>
+            </a:br>
             <a:endParaRPr lang="en-US" dirty="0"/>
           </a:p>
         </p:txBody>
@@ -7689,7 +7691,7 @@
           <p:cNvPr id="3" name="Объект 2">
             <a:extLst>
               <a:ext uri="{FF2B5EF4-FFF2-40B4-BE49-F238E27FC236}">
-                <a16:creationId xmlns:a16="http://schemas.microsoft.com/office/drawing/2014/main" id="{F646A806-1B5B-CD85-0CD4-90E160C54A71}"/>
+                <a16:creationId xmlns:a16="http://schemas.microsoft.com/office/drawing/2014/main" id="{2AAB7132-CAC7-76CC-EEDF-072CFD070BB2}"/>
               </a:ext>
             </a:extLst>
           </p:cNvPr>
@@ -7700,76 +7702,150 @@
             <p:ph sz="half" idx="2"/>
           </p:nvPr>
         </p:nvSpPr>
-        <p:spPr/>
+        <p:spPr>
+          <a:xfrm>
+            <a:off x="448210" y="1089536"/>
+            <a:ext cx="11019017" cy="4875330"/>
+          </a:xfrm>
+        </p:spPr>
         <p:txBody>
-          <a:bodyPr/>
+          <a:bodyPr>
+            <a:noAutofit/>
+          </a:bodyPr>
           <a:lstStyle/>
           <a:p>
-            <a:r>
-              <a:rPr lang="hu-HU" dirty="0"/>
-              <a:t>?????????????????????</a:t>
-            </a:r>
-          </a:p>
-          <a:p>
-            <a:r>
-              <a:rPr lang="hu-HU" dirty="0"/>
-              <a:t>Valami </a:t>
-            </a:r>
-            <a:r>
-              <a:rPr lang="hu-HU" dirty="0" err="1"/>
-              <a:t>kep</a:t>
-            </a:r>
-            <a:r>
-              <a:rPr lang="hu-HU" dirty="0"/>
-              <a:t>??? Vagy statisztika</a:t>
-            </a:r>
-          </a:p>
-          <a:p>
-            <a:endParaRPr lang="hu-HU" dirty="0"/>
-          </a:p>
-          <a:p>
-            <a:r>
-              <a:rPr lang="hu-HU" dirty="0"/>
-              <a:t>Ha nincs semmi akkor torold</a:t>
-            </a:r>
-            <a:endParaRPr lang="en-US" dirty="0"/>
+            <a:pPr marL="285750" indent="-285750">
+              <a:buFont typeface="Arial" panose="020B0604020202020204" pitchFamily="34" charset="0"/>
+              <a:buChar char="•"/>
+            </a:pPr>
+            <a:r>
+              <a:rPr lang="en-US" sz="1600" dirty="0"/>
+              <a:t>Multi-Label Classification Evaluation:</a:t>
+            </a:r>
+          </a:p>
+          <a:p>
+            <a:pPr marL="285750" indent="-285750">
+              <a:buFont typeface="Arial" panose="020B0604020202020204" pitchFamily="34" charset="0"/>
+              <a:buChar char="•"/>
+            </a:pPr>
+            <a:r>
+              <a:rPr lang="en-US" sz="1600" b="0" dirty="0"/>
+              <a:t>Each sample can belong to multiple classes simultaneously</a:t>
+            </a:r>
+          </a:p>
+          <a:p>
+            <a:pPr marL="285750" indent="-285750">
+              <a:buFont typeface="Arial" panose="020B0604020202020204" pitchFamily="34" charset="0"/>
+              <a:buChar char="•"/>
+            </a:pPr>
+            <a:r>
+              <a:rPr lang="en-US" sz="1600" b="0" dirty="0"/>
+              <a:t>Evaluate the model's performance on each attribute separately</a:t>
+            </a:r>
+            <a:r>
+              <a:rPr lang="hu-HU" sz="1600" b="0" dirty="0"/>
+              <a:t> (</a:t>
+            </a:r>
+            <a:r>
+              <a:rPr lang="en-US" sz="1600" b="0" dirty="0"/>
+              <a:t>correct and incorrect predictions for each feature</a:t>
+            </a:r>
+            <a:r>
+              <a:rPr lang="hu-HU" sz="1600" b="0" dirty="0"/>
+              <a:t>)</a:t>
+            </a:r>
+            <a:endParaRPr lang="en-US" sz="1600" b="0" dirty="0"/>
+          </a:p>
+          <a:p>
+            <a:endParaRPr lang="en-US" sz="1600" b="0" dirty="0"/>
+          </a:p>
+          <a:p>
+            <a:pPr marL="285750" indent="-285750">
+              <a:buFont typeface="Arial" panose="020B0604020202020204" pitchFamily="34" charset="0"/>
+              <a:buChar char="•"/>
+            </a:pPr>
+            <a:r>
+              <a:rPr lang="en-US" sz="1600" dirty="0"/>
+              <a:t>Using Scikit-learn:</a:t>
+            </a:r>
+          </a:p>
+          <a:p>
+            <a:pPr marL="285750" indent="-285750">
+              <a:buFont typeface="Arial" panose="020B0604020202020204" pitchFamily="34" charset="0"/>
+              <a:buChar char="•"/>
+            </a:pPr>
+            <a:r>
+              <a:rPr lang="en-US" sz="1600" b="0" dirty="0"/>
+              <a:t>Weighted </a:t>
+            </a:r>
+            <a:r>
+              <a:rPr lang="en-US" sz="1600" b="0" dirty="0" err="1"/>
+              <a:t>F1</a:t>
+            </a:r>
+            <a:r>
+              <a:rPr lang="en-US" sz="1600" b="0" dirty="0"/>
+              <a:t>-Score</a:t>
+            </a:r>
+          </a:p>
+          <a:p>
+            <a:pPr marL="285750" indent="-285750">
+              <a:buFont typeface="Arial" panose="020B0604020202020204" pitchFamily="34" charset="0"/>
+              <a:buChar char="•"/>
+            </a:pPr>
+            <a:r>
+              <a:rPr lang="en-US" sz="1600" b="0" dirty="0"/>
+              <a:t>Recall</a:t>
+            </a:r>
+            <a:endParaRPr lang="hu-HU" sz="1600" b="0" dirty="0"/>
+          </a:p>
+          <a:p>
+            <a:pPr marL="285750" indent="-285750">
+              <a:buFont typeface="Arial" panose="020B0604020202020204" pitchFamily="34" charset="0"/>
+              <a:buChar char="•"/>
+            </a:pPr>
+            <a:r>
+              <a:rPr lang="en-US" sz="1600" b="0" dirty="0"/>
+              <a:t>Precision</a:t>
+            </a:r>
           </a:p>
         </p:txBody>
       </p:sp>
-      <p:sp>
-        <p:nvSpPr>
-          <p:cNvPr id="4" name="Номер слайда 3">
-            <a:extLst>
-              <a:ext uri="{FF2B5EF4-FFF2-40B4-BE49-F238E27FC236}">
-                <a16:creationId xmlns:a16="http://schemas.microsoft.com/office/drawing/2014/main" id="{0D275FA7-B0CF-3F56-2F25-1543BEF3AC94}"/>
-              </a:ext>
-            </a:extLst>
-          </p:cNvPr>
-          <p:cNvSpPr>
-            <a:spLocks noGrp="1"/>
-          </p:cNvSpPr>
-          <p:nvPr>
-            <p:ph type="sldNum" sz="quarter" idx="12"/>
-          </p:nvPr>
-        </p:nvSpPr>
-        <p:spPr/>
-        <p:txBody>
-          <a:bodyPr/>
-          <a:lstStyle/>
-          <a:p>
-            <a:fld id="{A49DFD55-3C28-40EF-9E31-A92D2E4017FF}" type="slidenum">
-              <a:rPr lang="en-US" smtClean="0"/>
-              <a:pPr/>
-              <a:t>5</a:t>
-            </a:fld>
-            <a:endParaRPr lang="en-US" dirty="0"/>
-          </a:p>
-        </p:txBody>
-      </p:sp>
+      <p:pic>
+        <p:nvPicPr>
+          <p:cNvPr id="13" name="Рисунок 12">
+            <a:extLst>
+              <a:ext uri="{FF2B5EF4-FFF2-40B4-BE49-F238E27FC236}">
+                <a16:creationId xmlns:a16="http://schemas.microsoft.com/office/drawing/2014/main" id="{9D804C34-9568-4BF8-72FA-3D173CB00950}"/>
+              </a:ext>
+            </a:extLst>
+          </p:cNvPr>
+          <p:cNvPicPr>
+            <a:picLocks noChangeAspect="1"/>
+          </p:cNvPicPr>
+          <p:nvPr/>
+        </p:nvPicPr>
+        <p:blipFill>
+          <a:blip r:embed="rId2">
+            <a:alphaModFix amt="85000"/>
+          </a:blip>
+          <a:stretch>
+            <a:fillRect/>
+          </a:stretch>
+        </p:blipFill>
+        <p:spPr>
+          <a:xfrm>
+            <a:off x="4927490" y="2850922"/>
+            <a:ext cx="6653777" cy="2146380"/>
+          </a:xfrm>
+          <a:prstGeom prst="rect">
+            <a:avLst/>
+          </a:prstGeom>
+        </p:spPr>
+      </p:pic>
     </p:spTree>
     <p:extLst>
       <p:ext uri="{BB962C8B-B14F-4D97-AF65-F5344CB8AC3E}">
-        <p14:creationId xmlns:p14="http://schemas.microsoft.com/office/powerpoint/2010/main" val="2251222077"/>
+        <p14:creationId xmlns:p14="http://schemas.microsoft.com/office/powerpoint/2010/main" val="2473852195"/>
       </p:ext>
     </p:extLst>
   </p:cSld>
@@ -7801,7 +7877,7 @@
           <p:cNvPr id="2" name="Заголовок 1">
             <a:extLst>
               <a:ext uri="{FF2B5EF4-FFF2-40B4-BE49-F238E27FC236}">
-                <a16:creationId xmlns:a16="http://schemas.microsoft.com/office/drawing/2014/main" id="{0956A0D8-D4B5-7C1B-F8B9-184B79ED21C4}"/>
+                <a16:creationId xmlns:a16="http://schemas.microsoft.com/office/drawing/2014/main" id="{42830E81-FFBD-4169-ED25-8FA28E3E19F4}"/>
               </a:ext>
             </a:extLst>
           </p:cNvPr>
@@ -7815,7 +7891,7 @@
         <p:spPr>
           <a:xfrm>
             <a:off x="1322318" y="268361"/>
-            <a:ext cx="7288282" cy="1075698"/>
+            <a:ext cx="7288282" cy="745192"/>
           </a:xfrm>
         </p:spPr>
         <p:txBody>
@@ -7823,12 +7899,9 @@
           <a:lstStyle/>
           <a:p>
             <a:r>
-              <a:rPr lang="en-US" dirty="0"/>
-              <a:t>Evaluation</a:t>
-            </a:r>
-            <a:br>
-              <a:rPr lang="en-US" dirty="0"/>
-            </a:br>
+              <a:rPr lang="hu-HU" dirty="0" err="1"/>
+              <a:t>Summary</a:t>
+            </a:r>
             <a:endParaRPr lang="en-US" dirty="0"/>
           </a:p>
         </p:txBody>
@@ -7838,7 +7911,7 @@
           <p:cNvPr id="3" name="Объект 2">
             <a:extLst>
               <a:ext uri="{FF2B5EF4-FFF2-40B4-BE49-F238E27FC236}">
-                <a16:creationId xmlns:a16="http://schemas.microsoft.com/office/drawing/2014/main" id="{2AAB7132-CAC7-76CC-EEDF-072CFD070BB2}"/>
+                <a16:creationId xmlns:a16="http://schemas.microsoft.com/office/drawing/2014/main" id="{B67957E7-C483-51BE-81D1-0D917531FCBE}"/>
               </a:ext>
             </a:extLst>
           </p:cNvPr>
@@ -7851,14 +7924,12 @@
         </p:nvSpPr>
         <p:spPr>
           <a:xfrm>
-            <a:off x="448210" y="1089536"/>
-            <a:ext cx="11019017" cy="4875330"/>
+            <a:off x="452056" y="2013931"/>
+            <a:ext cx="7193650" cy="3407051"/>
           </a:xfrm>
         </p:spPr>
         <p:txBody>
-          <a:bodyPr>
-            <a:noAutofit/>
-          </a:bodyPr>
+          <a:bodyPr/>
           <a:lstStyle/>
           <a:p>
             <a:pPr marL="285750" indent="-285750">
@@ -7866,9 +7937,34 @@
               <a:buChar char="•"/>
             </a:pPr>
             <a:r>
-              <a:rPr lang="en-US" sz="1600" dirty="0"/>
-              <a:t>Multi-Label Classification Evaluation:</a:t>
-            </a:r>
+              <a:rPr lang="en-US" b="0" dirty="0"/>
+              <a:t>balanced accuracy</a:t>
+            </a:r>
+            <a:r>
+              <a:rPr lang="hu-HU" b="0" dirty="0"/>
+              <a:t> </a:t>
+            </a:r>
+            <a:r>
+              <a:rPr lang="hu-HU" b="0" dirty="0" err="1"/>
+              <a:t>with</a:t>
+            </a:r>
+            <a:r>
+              <a:rPr lang="hu-HU" b="0" dirty="0"/>
+              <a:t> </a:t>
+            </a:r>
+            <a:r>
+              <a:rPr lang="hu-HU" b="0" dirty="0" err="1"/>
+              <a:t>custom</a:t>
+            </a:r>
+            <a:r>
+              <a:rPr lang="hu-HU" b="0" dirty="0"/>
+              <a:t> CNN </a:t>
+            </a:r>
+            <a:r>
+              <a:rPr lang="hu-HU" b="0" dirty="0" err="1"/>
+              <a:t>model</a:t>
+            </a:r>
+            <a:endParaRPr lang="hu-HU" b="0" dirty="0"/>
           </a:p>
           <a:p>
             <a:pPr marL="285750" indent="-285750">
@@ -7876,9 +7972,18 @@
               <a:buChar char="•"/>
             </a:pPr>
             <a:r>
-              <a:rPr lang="en-US" sz="1600" b="0" dirty="0"/>
-              <a:t>Each sample can belong to multiple classes simultaneously</a:t>
-            </a:r>
+              <a:rPr lang="en-US" b="0" dirty="0"/>
+              <a:t>images often contained several attributes simultaneously</a:t>
+            </a:r>
+            <a:r>
+              <a:rPr lang="hu-HU" b="0" dirty="0"/>
+              <a:t> -&gt; </a:t>
+            </a:r>
+            <a:r>
+              <a:rPr lang="en-US" b="0" dirty="0"/>
+              <a:t>some errors may be caused by the dataset</a:t>
+            </a:r>
+            <a:endParaRPr lang="hu-HU" b="0" dirty="0"/>
           </a:p>
           <a:p>
             <a:pPr marL="285750" indent="-285750">
@@ -7886,83 +7991,90 @@
               <a:buChar char="•"/>
             </a:pPr>
             <a:r>
-              <a:rPr lang="en-US" sz="1600" b="0" dirty="0"/>
-              <a:t>Evaluate the model's performance on each attribute separately</a:t>
-            </a:r>
-            <a:r>
-              <a:rPr lang="hu-HU" sz="1600" b="0" dirty="0"/>
-              <a:t> (</a:t>
-            </a:r>
-            <a:r>
-              <a:rPr lang="en-US" sz="1600" b="0" dirty="0"/>
-              <a:t>correct and incorrect predictions for each feature</a:t>
-            </a:r>
-            <a:r>
-              <a:rPr lang="hu-HU" sz="1600" b="0" dirty="0"/>
-              <a:t>)</a:t>
-            </a:r>
-            <a:endParaRPr lang="en-US" sz="1600" b="0" dirty="0"/>
-          </a:p>
-          <a:p>
-            <a:endParaRPr lang="en-US" sz="1600" b="0" dirty="0"/>
+              <a:rPr lang="hu-HU" b="0" dirty="0" err="1"/>
+              <a:t>pretrained</a:t>
+            </a:r>
+            <a:r>
+              <a:rPr lang="hu-HU" b="0" dirty="0"/>
+              <a:t> </a:t>
+            </a:r>
+            <a:r>
+              <a:rPr lang="hu-HU" b="0" dirty="0" err="1"/>
+              <a:t>model</a:t>
+            </a:r>
+            <a:r>
+              <a:rPr lang="hu-HU" b="0" dirty="0"/>
+              <a:t> is </a:t>
+            </a:r>
+            <a:r>
+              <a:rPr lang="hu-HU" b="0" dirty="0" err="1"/>
+              <a:t>to</a:t>
+            </a:r>
+            <a:r>
+              <a:rPr lang="hu-HU" b="0" dirty="0"/>
+              <a:t> be more </a:t>
+            </a:r>
+            <a:r>
+              <a:rPr lang="hu-HU" b="0" dirty="0" err="1"/>
+              <a:t>accurate</a:t>
+            </a:r>
+            <a:endParaRPr lang="hu-HU" b="0" dirty="0"/>
           </a:p>
           <a:p>
             <a:pPr marL="285750" indent="-285750">
               <a:buFont typeface="Arial" panose="020B0604020202020204" pitchFamily="34" charset="0"/>
               <a:buChar char="•"/>
             </a:pPr>
-            <a:r>
-              <a:rPr lang="en-US" sz="1600" dirty="0"/>
-              <a:t>Using Scikit-learn:</a:t>
-            </a:r>
+            <a:endParaRPr lang="hu-HU" b="0" dirty="0"/>
           </a:p>
           <a:p>
             <a:pPr marL="285750" indent="-285750">
               <a:buFont typeface="Arial" panose="020B0604020202020204" pitchFamily="34" charset="0"/>
               <a:buChar char="•"/>
             </a:pPr>
-            <a:r>
-              <a:rPr lang="en-US" sz="1600" b="0" dirty="0"/>
-              <a:t>Weighted </a:t>
-            </a:r>
-            <a:r>
-              <a:rPr lang="en-US" sz="1600" b="0" dirty="0" err="1"/>
-              <a:t>F1</a:t>
-            </a:r>
-            <a:r>
-              <a:rPr lang="en-US" sz="1600" b="0" dirty="0"/>
-              <a:t>-Score</a:t>
-            </a:r>
-          </a:p>
-          <a:p>
-            <a:pPr marL="285750" indent="-285750">
-              <a:buFont typeface="Arial" panose="020B0604020202020204" pitchFamily="34" charset="0"/>
-              <a:buChar char="•"/>
-            </a:pPr>
-            <a:r>
-              <a:rPr lang="en-US" sz="1600" b="0" dirty="0"/>
-              <a:t>Recall</a:t>
-            </a:r>
-            <a:endParaRPr lang="hu-HU" sz="1600" b="0" dirty="0"/>
-          </a:p>
-          <a:p>
-            <a:pPr marL="285750" indent="-285750">
-              <a:buFont typeface="Arial" panose="020B0604020202020204" pitchFamily="34" charset="0"/>
-              <a:buChar char="•"/>
-            </a:pPr>
-            <a:r>
-              <a:rPr lang="en-US" sz="1600" b="0" dirty="0"/>
-              <a:t>Precision</a:t>
-            </a:r>
+            <a:endParaRPr lang="hu-HU" b="0" dirty="0"/>
+          </a:p>
+          <a:p>
+            <a:endParaRPr lang="en-US" b="0" dirty="0"/>
+          </a:p>
+        </p:txBody>
+      </p:sp>
+      <p:sp>
+        <p:nvSpPr>
+          <p:cNvPr id="4" name="Номер слайда 3">
+            <a:extLst>
+              <a:ext uri="{FF2B5EF4-FFF2-40B4-BE49-F238E27FC236}">
+                <a16:creationId xmlns:a16="http://schemas.microsoft.com/office/drawing/2014/main" id="{44B3472C-2C44-AF01-B5D3-D866ADA56544}"/>
+              </a:ext>
+            </a:extLst>
+          </p:cNvPr>
+          <p:cNvSpPr>
+            <a:spLocks noGrp="1"/>
+          </p:cNvSpPr>
+          <p:nvPr>
+            <p:ph type="sldNum" sz="quarter" idx="12"/>
+          </p:nvPr>
+        </p:nvSpPr>
+        <p:spPr/>
+        <p:txBody>
+          <a:bodyPr/>
+          <a:lstStyle/>
+          <a:p>
+            <a:fld id="{A49DFD55-3C28-40EF-9E31-A92D2E4017FF}" type="slidenum">
+              <a:rPr lang="en-US" smtClean="0"/>
+              <a:pPr/>
+              <a:t>6</a:t>
+            </a:fld>
+            <a:endParaRPr lang="en-US" dirty="0"/>
           </a:p>
         </p:txBody>
       </p:sp>
       <p:pic>
         <p:nvPicPr>
-          <p:cNvPr id="13" name="Рисунок 12">
-            <a:extLst>
-              <a:ext uri="{FF2B5EF4-FFF2-40B4-BE49-F238E27FC236}">
-                <a16:creationId xmlns:a16="http://schemas.microsoft.com/office/drawing/2014/main" id="{9D804C34-9568-4BF8-72FA-3D173CB00950}"/>
+          <p:cNvPr id="6" name="Kép 5" descr="A képen minta, Színesség, tér, Téglalap látható&#10;&#10;Automatikusan generált leírás">
+            <a:extLst>
+              <a:ext uri="{FF2B5EF4-FFF2-40B4-BE49-F238E27FC236}">
+                <a16:creationId xmlns:a16="http://schemas.microsoft.com/office/drawing/2014/main" id="{A8533A1B-2871-789B-5A8E-03C1344043C1}"/>
               </a:ext>
             </a:extLst>
           </p:cNvPr>
@@ -7972,17 +8084,15 @@
           <p:nvPr/>
         </p:nvPicPr>
         <p:blipFill>
-          <a:blip r:embed="rId2">
-            <a:alphaModFix amt="85000"/>
-          </a:blip>
+          <a:blip r:embed="rId2"/>
           <a:stretch>
             <a:fillRect/>
           </a:stretch>
         </p:blipFill>
         <p:spPr>
           <a:xfrm>
-            <a:off x="4927490" y="2850922"/>
-            <a:ext cx="6653777" cy="2146380"/>
+            <a:off x="7834274" y="335391"/>
+            <a:ext cx="3805070" cy="6187218"/>
           </a:xfrm>
           <a:prstGeom prst="rect">
             <a:avLst/>
@@ -7992,7 +8102,7 @@
     </p:spTree>
     <p:extLst>
       <p:ext uri="{BB962C8B-B14F-4D97-AF65-F5344CB8AC3E}">
-        <p14:creationId xmlns:p14="http://schemas.microsoft.com/office/powerpoint/2010/main" val="2473852195"/>
+        <p14:creationId xmlns:p14="http://schemas.microsoft.com/office/powerpoint/2010/main" val="3711323586"/>
       </p:ext>
     </p:extLst>
   </p:cSld>
@@ -8024,7 +8134,7 @@
           <p:cNvPr id="2" name="Заголовок 1">
             <a:extLst>
               <a:ext uri="{FF2B5EF4-FFF2-40B4-BE49-F238E27FC236}">
-                <a16:creationId xmlns:a16="http://schemas.microsoft.com/office/drawing/2014/main" id="{42830E81-FFBD-4169-ED25-8FA28E3E19F4}"/>
+                <a16:creationId xmlns:a16="http://schemas.microsoft.com/office/drawing/2014/main" id="{F8B2987F-C12F-339E-2CC1-E580A58EFDB1}"/>
               </a:ext>
             </a:extLst>
           </p:cNvPr>
@@ -8037,17 +8147,54 @@
         </p:nvSpPr>
         <p:spPr>
           <a:xfrm>
-            <a:off x="1322318" y="268361"/>
-            <a:ext cx="7288282" cy="745192"/>
+            <a:off x="2451859" y="1307823"/>
+            <a:ext cx="7288282" cy="2121177"/>
           </a:xfrm>
         </p:spPr>
         <p:txBody>
           <a:bodyPr/>
           <a:lstStyle/>
           <a:p>
+            <a:pPr algn="ctr"/>
             <a:r>
               <a:rPr lang="hu-HU" dirty="0" err="1"/>
-              <a:t>Summary</a:t>
+              <a:t>THANK</a:t>
+            </a:r>
+            <a:r>
+              <a:rPr lang="hu-HU" dirty="0"/>
+              <a:t> </a:t>
+            </a:r>
+            <a:r>
+              <a:rPr lang="hu-HU" dirty="0" err="1"/>
+              <a:t>YOU</a:t>
+            </a:r>
+            <a:r>
+              <a:rPr lang="hu-HU" dirty="0"/>
+              <a:t> </a:t>
+            </a:r>
+            <a:r>
+              <a:rPr lang="hu-HU" dirty="0" err="1"/>
+              <a:t>FOR</a:t>
+            </a:r>
+            <a:r>
+              <a:rPr lang="hu-HU" dirty="0"/>
+              <a:t> </a:t>
+            </a:r>
+            <a:r>
+              <a:rPr lang="hu-HU" dirty="0" err="1"/>
+              <a:t>YOUR</a:t>
+            </a:r>
+            <a:r>
+              <a:rPr lang="hu-HU" dirty="0"/>
+              <a:t> </a:t>
+            </a:r>
+            <a:r>
+              <a:rPr lang="hu-HU" dirty="0" err="1"/>
+              <a:t>ATTENTION</a:t>
+            </a:r>
+            <a:r>
+              <a:rPr lang="hu-HU" dirty="0"/>
+              <a:t>!</a:t>
             </a:r>
             <a:endParaRPr lang="en-US" dirty="0"/>
           </a:p>
@@ -8055,165 +8202,10 @@
       </p:sp>
       <p:sp>
         <p:nvSpPr>
-          <p:cNvPr id="3" name="Объект 2">
-            <a:extLst>
-              <a:ext uri="{FF2B5EF4-FFF2-40B4-BE49-F238E27FC236}">
-                <a16:creationId xmlns:a16="http://schemas.microsoft.com/office/drawing/2014/main" id="{B67957E7-C483-51BE-81D1-0D917531FCBE}"/>
-              </a:ext>
-            </a:extLst>
-          </p:cNvPr>
-          <p:cNvSpPr>
-            <a:spLocks noGrp="1"/>
-          </p:cNvSpPr>
-          <p:nvPr>
-            <p:ph sz="half" idx="2"/>
-          </p:nvPr>
-        </p:nvSpPr>
-        <p:spPr>
-          <a:xfrm>
-            <a:off x="452056" y="2013931"/>
-            <a:ext cx="7193650" cy="3407051"/>
-          </a:xfrm>
-        </p:spPr>
-        <p:txBody>
-          <a:bodyPr/>
-          <a:lstStyle/>
-          <a:p>
-            <a:pPr marL="285750" indent="-285750">
-              <a:buFont typeface="Arial" panose="020B0604020202020204" pitchFamily="34" charset="0"/>
-              <a:buChar char="•"/>
-            </a:pPr>
-            <a:r>
-              <a:rPr lang="en-US" b="0" dirty="0"/>
-              <a:t>balanced accuracy</a:t>
-            </a:r>
-            <a:r>
-              <a:rPr lang="hu-HU" b="0" dirty="0"/>
-              <a:t> </a:t>
-            </a:r>
-            <a:r>
-              <a:rPr lang="hu-HU" b="0" dirty="0" err="1"/>
-              <a:t>with</a:t>
-            </a:r>
-            <a:r>
-              <a:rPr lang="hu-HU" b="0" dirty="0"/>
-              <a:t> </a:t>
-            </a:r>
-            <a:r>
-              <a:rPr lang="hu-HU" b="0" dirty="0" err="1"/>
-              <a:t>custom</a:t>
-            </a:r>
-            <a:r>
-              <a:rPr lang="hu-HU" b="0" dirty="0"/>
-              <a:t> CNN </a:t>
-            </a:r>
-            <a:r>
-              <a:rPr lang="hu-HU" b="0" dirty="0" err="1"/>
-              <a:t>model</a:t>
-            </a:r>
-            <a:endParaRPr lang="hu-HU" b="0" dirty="0"/>
-          </a:p>
-          <a:p>
-            <a:pPr marL="285750" indent="-285750">
-              <a:buFont typeface="Arial" panose="020B0604020202020204" pitchFamily="34" charset="0"/>
-              <a:buChar char="•"/>
-            </a:pPr>
-            <a:r>
-              <a:rPr lang="en-US" b="0" dirty="0"/>
-              <a:t>images often contained several attributes simultaneously</a:t>
-            </a:r>
-            <a:r>
-              <a:rPr lang="hu-HU" b="0" dirty="0"/>
-              <a:t> -&gt; </a:t>
-            </a:r>
-            <a:r>
-              <a:rPr lang="en-US" b="0" dirty="0"/>
-              <a:t>some errors may be caused by the dataset</a:t>
-            </a:r>
-            <a:endParaRPr lang="hu-HU" b="0" dirty="0"/>
-          </a:p>
-          <a:p>
-            <a:pPr marL="285750" indent="-285750">
-              <a:buFont typeface="Arial" panose="020B0604020202020204" pitchFamily="34" charset="0"/>
-              <a:buChar char="•"/>
-            </a:pPr>
-            <a:r>
-              <a:rPr lang="hu-HU" b="0" dirty="0" err="1"/>
-              <a:t>pretrained</a:t>
-            </a:r>
-            <a:r>
-              <a:rPr lang="hu-HU" b="0" dirty="0"/>
-              <a:t> </a:t>
-            </a:r>
-            <a:r>
-              <a:rPr lang="hu-HU" b="0" dirty="0" err="1"/>
-              <a:t>model</a:t>
-            </a:r>
-            <a:r>
-              <a:rPr lang="hu-HU" b="0" dirty="0"/>
-              <a:t> is </a:t>
-            </a:r>
-            <a:r>
-              <a:rPr lang="hu-HU" b="0" dirty="0" err="1"/>
-              <a:t>to</a:t>
-            </a:r>
-            <a:r>
-              <a:rPr lang="hu-HU" b="0" dirty="0"/>
-              <a:t> be more </a:t>
-            </a:r>
-            <a:r>
-              <a:rPr lang="hu-HU" b="0" dirty="0" err="1"/>
-              <a:t>accurate</a:t>
-            </a:r>
-            <a:endParaRPr lang="hu-HU" b="0" dirty="0"/>
-          </a:p>
-          <a:p>
-            <a:pPr marL="285750" indent="-285750">
-              <a:buFont typeface="Arial" panose="020B0604020202020204" pitchFamily="34" charset="0"/>
-              <a:buChar char="•"/>
-            </a:pPr>
-            <a:endParaRPr lang="hu-HU" b="0" dirty="0"/>
-          </a:p>
-          <a:p>
-            <a:pPr marL="285750" indent="-285750">
-              <a:buFont typeface="Arial" panose="020B0604020202020204" pitchFamily="34" charset="0"/>
-              <a:buChar char="•"/>
-            </a:pPr>
-            <a:endParaRPr lang="hu-HU" b="0" dirty="0"/>
-          </a:p>
-          <a:p>
-            <a:pPr marL="285750" indent="-285750">
-              <a:buFont typeface="Arial" panose="020B0604020202020204" pitchFamily="34" charset="0"/>
-              <a:buChar char="•"/>
-            </a:pPr>
-            <a:r>
-              <a:rPr lang="hu-HU" b="0" dirty="0"/>
-              <a:t>VALAMI </a:t>
-            </a:r>
-            <a:r>
-              <a:rPr lang="hu-HU" b="0" dirty="0" err="1"/>
-              <a:t>KEP</a:t>
-            </a:r>
-            <a:r>
-              <a:rPr lang="hu-HU" b="0" dirty="0"/>
-              <a:t> VAGY MEG VALAMI???</a:t>
-            </a:r>
-          </a:p>
-          <a:p>
-            <a:pPr marL="285750" indent="-285750">
-              <a:buFont typeface="Arial" panose="020B0604020202020204" pitchFamily="34" charset="0"/>
-              <a:buChar char="•"/>
-            </a:pPr>
-            <a:endParaRPr lang="en-US" b="0" dirty="0"/>
-          </a:p>
-        </p:txBody>
-      </p:sp>
-      <p:sp>
-        <p:nvSpPr>
           <p:cNvPr id="4" name="Номер слайда 3">
             <a:extLst>
               <a:ext uri="{FF2B5EF4-FFF2-40B4-BE49-F238E27FC236}">
-                <a16:creationId xmlns:a16="http://schemas.microsoft.com/office/drawing/2014/main" id="{44B3472C-2C44-AF01-B5D3-D866ADA56544}"/>
+                <a16:creationId xmlns:a16="http://schemas.microsoft.com/office/drawing/2014/main" id="{9F155031-9123-9668-CBFA-ACF2CFB5A1DD}"/>
               </a:ext>
             </a:extLst>
           </p:cNvPr>
@@ -8233,137 +8225,6 @@
               <a:rPr lang="en-US" smtClean="0"/>
               <a:pPr/>
               <a:t>7</a:t>
-            </a:fld>
-            <a:endParaRPr lang="en-US" dirty="0"/>
-          </a:p>
-        </p:txBody>
-      </p:sp>
-    </p:spTree>
-    <p:extLst>
-      <p:ext uri="{BB962C8B-B14F-4D97-AF65-F5344CB8AC3E}">
-        <p14:creationId xmlns:p14="http://schemas.microsoft.com/office/powerpoint/2010/main" val="3711323586"/>
-      </p:ext>
-    </p:extLst>
-  </p:cSld>
-  <p:clrMapOvr>
-    <a:masterClrMapping/>
-  </p:clrMapOvr>
-</p:sld>
-</file>
-
-<file path=ppt/slides/slide8.xml><?xml version="1.0" encoding="utf-8"?>
-<p:sld xmlns:a="http://schemas.openxmlformats.org/drawingml/2006/main" xmlns:r="http://schemas.openxmlformats.org/officeDocument/2006/relationships" xmlns:p="http://schemas.openxmlformats.org/presentationml/2006/main">
-  <p:cSld>
-    <p:spTree>
-      <p:nvGrpSpPr>
-        <p:cNvPr id="1" name=""/>
-        <p:cNvGrpSpPr/>
-        <p:nvPr/>
-      </p:nvGrpSpPr>
-      <p:grpSpPr>
-        <a:xfrm>
-          <a:off x="0" y="0"/>
-          <a:ext cx="0" cy="0"/>
-          <a:chOff x="0" y="0"/>
-          <a:chExt cx="0" cy="0"/>
-        </a:xfrm>
-      </p:grpSpPr>
-      <p:sp>
-        <p:nvSpPr>
-          <p:cNvPr id="2" name="Заголовок 1">
-            <a:extLst>
-              <a:ext uri="{FF2B5EF4-FFF2-40B4-BE49-F238E27FC236}">
-                <a16:creationId xmlns:a16="http://schemas.microsoft.com/office/drawing/2014/main" id="{F8B2987F-C12F-339E-2CC1-E580A58EFDB1}"/>
-              </a:ext>
-            </a:extLst>
-          </p:cNvPr>
-          <p:cNvSpPr>
-            <a:spLocks noGrp="1"/>
-          </p:cNvSpPr>
-          <p:nvPr>
-            <p:ph type="title"/>
-          </p:nvPr>
-        </p:nvSpPr>
-        <p:spPr>
-          <a:xfrm>
-            <a:off x="2451859" y="1307823"/>
-            <a:ext cx="7288282" cy="2121177"/>
-          </a:xfrm>
-        </p:spPr>
-        <p:txBody>
-          <a:bodyPr/>
-          <a:lstStyle/>
-          <a:p>
-            <a:pPr algn="ctr"/>
-            <a:r>
-              <a:rPr lang="hu-HU" dirty="0" err="1"/>
-              <a:t>THANK</a:t>
-            </a:r>
-            <a:r>
-              <a:rPr lang="hu-HU" dirty="0"/>
-              <a:t> </a:t>
-            </a:r>
-            <a:r>
-              <a:rPr lang="hu-HU" dirty="0" err="1"/>
-              <a:t>YOU</a:t>
-            </a:r>
-            <a:r>
-              <a:rPr lang="hu-HU" dirty="0"/>
-              <a:t> </a:t>
-            </a:r>
-            <a:r>
-              <a:rPr lang="hu-HU" dirty="0" err="1"/>
-              <a:t>FOR</a:t>
-            </a:r>
-            <a:r>
-              <a:rPr lang="hu-HU" dirty="0"/>
-              <a:t> </a:t>
-            </a:r>
-            <a:r>
-              <a:rPr lang="hu-HU" dirty="0" err="1"/>
-              <a:t>YOUR</a:t>
-            </a:r>
-            <a:r>
-              <a:rPr lang="hu-HU" dirty="0"/>
-              <a:t> </a:t>
-            </a:r>
-            <a:r>
-              <a:rPr lang="hu-HU" dirty="0" err="1"/>
-              <a:t>ATTENTION</a:t>
-            </a:r>
-            <a:r>
-              <a:rPr lang="hu-HU" dirty="0"/>
-              <a:t>!</a:t>
-            </a:r>
-            <a:endParaRPr lang="en-US" dirty="0"/>
-          </a:p>
-        </p:txBody>
-      </p:sp>
-      <p:sp>
-        <p:nvSpPr>
-          <p:cNvPr id="4" name="Номер слайда 3">
-            <a:extLst>
-              <a:ext uri="{FF2B5EF4-FFF2-40B4-BE49-F238E27FC236}">
-                <a16:creationId xmlns:a16="http://schemas.microsoft.com/office/drawing/2014/main" id="{9F155031-9123-9668-CBFA-ACF2CFB5A1DD}"/>
-              </a:ext>
-            </a:extLst>
-          </p:cNvPr>
-          <p:cNvSpPr>
-            <a:spLocks noGrp="1"/>
-          </p:cNvSpPr>
-          <p:nvPr>
-            <p:ph type="sldNum" sz="quarter" idx="12"/>
-          </p:nvPr>
-        </p:nvSpPr>
-        <p:spPr/>
-        <p:txBody>
-          <a:bodyPr/>
-          <a:lstStyle/>
-          <a:p>
-            <a:fld id="{A49DFD55-3C28-40EF-9E31-A92D2E4017FF}" type="slidenum">
-              <a:rPr lang="en-US" smtClean="0"/>
-              <a:pPr/>
-              <a:t>8</a:t>
             </a:fld>
             <a:endParaRPr lang="en-US" dirty="0"/>
           </a:p>
@@ -9174,35 +9035,6 @@
 </file>
 
 <file path=customXml/item1.xml><?xml version="1.0" encoding="utf-8"?>
-<?mso-contentType ?>
-<FormTemplates xmlns="http://schemas.microsoft.com/sharepoint/v3/contenttype/forms">
-  <Display>DocumentLibraryForm</Display>
-  <Edit>DocumentLibraryForm</Edit>
-  <New>DocumentLibraryForm</New>
-</FormTemplates>
-</file>
-
-<file path=customXml/item2.xml><?xml version="1.0" encoding="utf-8"?>
-<p:properties xmlns:p="http://schemas.microsoft.com/office/2006/metadata/properties" xmlns:xsi="http://www.w3.org/2001/XMLSchema-instance" xmlns:pc="http://schemas.microsoft.com/office/infopath/2007/PartnerControls">
-  <documentManagement>
-    <_ip_UnifiedCompliancePolicyUIAction xmlns="http://schemas.microsoft.com/sharepoint/v3" xsi:nil="true"/>
-    <Image xmlns="71af3243-3dd4-4a8d-8c0d-dd76da1f02a5">
-      <Url xsi:nil="true"/>
-      <Description xsi:nil="true"/>
-    </Image>
-    <Status xmlns="71af3243-3dd4-4a8d-8c0d-dd76da1f02a5">Not started</Status>
-    <Background xmlns="71af3243-3dd4-4a8d-8c0d-dd76da1f02a5">false</Background>
-    <_ip_UnifiedCompliancePolicyProperties xmlns="http://schemas.microsoft.com/sharepoint/v3" xsi:nil="true"/>
-    <ImageTagsTaxHTField xmlns="71af3243-3dd4-4a8d-8c0d-dd76da1f02a5">
-      <Terms xmlns="http://schemas.microsoft.com/office/infopath/2007/PartnerControls"/>
-    </ImageTagsTaxHTField>
-    <TaxCatchAll xmlns="230e9df3-be65-4c73-a93b-d1236ebd677e" xsi:nil="true"/>
-    <MediaServiceKeyPoints xmlns="71af3243-3dd4-4a8d-8c0d-dd76da1f02a5" xsi:nil="true"/>
-  </documentManagement>
-</p:properties>
-</file>
-
-<file path=customXml/item3.xml><?xml version="1.0" encoding="utf-8"?>
 <ct:contentTypeSchema xmlns:ct="http://schemas.microsoft.com/office/2006/metadata/contentType" xmlns:ma="http://schemas.microsoft.com/office/2006/metadata/properties/metaAttributes" ct:_="" ma:_="" ma:contentTypeName="Document" ma:contentTypeID="0x01010079F111ED35F8CC479449609E8A0923A6" ma:contentTypeVersion="28" ma:contentTypeDescription="Create a new document." ma:contentTypeScope="" ma:versionID="60f5a4f2d2b0abadcf532d48ebf9cb71">
   <xsd:schema xmlns:xsd="http://www.w3.org/2001/XMLSchema" xmlns:xs="http://www.w3.org/2001/XMLSchema" xmlns:p="http://schemas.microsoft.com/office/2006/metadata/properties" xmlns:ns1="http://schemas.microsoft.com/sharepoint/v3" xmlns:ns2="71af3243-3dd4-4a8d-8c0d-dd76da1f02a5" xmlns:ns3="16c05727-aa75-4e4a-9b5f-8a80a1165891" xmlns:ns4="230e9df3-be65-4c73-a93b-d1236ebd677e" targetNamespace="http://schemas.microsoft.com/office/2006/metadata/properties" ma:root="true" ma:fieldsID="7dd78129e6a1811f84807ad11c651531" ns1:_="" ns2:_="" ns3:_="" ns4:_="">
     <xsd:import namespace="http://schemas.microsoft.com/sharepoint/v3"/>
@@ -9514,27 +9346,36 @@
 </ct:contentTypeSchema>
 </file>
 
-<file path=customXml/itemProps1.xml><?xml version="1.0" encoding="utf-8"?>
-<ds:datastoreItem xmlns:ds="http://schemas.openxmlformats.org/officeDocument/2006/customXml" ds:itemID="{CABF691C-888B-4061-8A6F-D5CE84A0254B}">
-  <ds:schemaRefs>
-    <ds:schemaRef ds:uri="http://schemas.microsoft.com/sharepoint/v3/contenttype/forms"/>
-  </ds:schemaRefs>
-</ds:datastoreItem>
+<file path=customXml/item2.xml><?xml version="1.0" encoding="utf-8"?>
+<p:properties xmlns:p="http://schemas.microsoft.com/office/2006/metadata/properties" xmlns:xsi="http://www.w3.org/2001/XMLSchema-instance" xmlns:pc="http://schemas.microsoft.com/office/infopath/2007/PartnerControls">
+  <documentManagement>
+    <_ip_UnifiedCompliancePolicyUIAction xmlns="http://schemas.microsoft.com/sharepoint/v3" xsi:nil="true"/>
+    <Image xmlns="71af3243-3dd4-4a8d-8c0d-dd76da1f02a5">
+      <Url xsi:nil="true"/>
+      <Description xsi:nil="true"/>
+    </Image>
+    <Status xmlns="71af3243-3dd4-4a8d-8c0d-dd76da1f02a5">Not started</Status>
+    <Background xmlns="71af3243-3dd4-4a8d-8c0d-dd76da1f02a5">false</Background>
+    <_ip_UnifiedCompliancePolicyProperties xmlns="http://schemas.microsoft.com/sharepoint/v3" xsi:nil="true"/>
+    <ImageTagsTaxHTField xmlns="71af3243-3dd4-4a8d-8c0d-dd76da1f02a5">
+      <Terms xmlns="http://schemas.microsoft.com/office/infopath/2007/PartnerControls"/>
+    </ImageTagsTaxHTField>
+    <TaxCatchAll xmlns="230e9df3-be65-4c73-a93b-d1236ebd677e" xsi:nil="true"/>
+    <MediaServiceKeyPoints xmlns="71af3243-3dd4-4a8d-8c0d-dd76da1f02a5" xsi:nil="true"/>
+  </documentManagement>
+</p:properties>
 </file>
 
-<file path=customXml/itemProps2.xml><?xml version="1.0" encoding="utf-8"?>
-<ds:datastoreItem xmlns:ds="http://schemas.openxmlformats.org/officeDocument/2006/customXml" ds:itemID="{49168DCE-134F-4610-A6AA-88CEBE8D71D2}">
-  <ds:schemaRefs>
-    <ds:schemaRef ds:uri="http://schemas.microsoft.com/office/2006/metadata/properties"/>
-    <ds:schemaRef ds:uri="http://schemas.microsoft.com/office/infopath/2007/PartnerControls"/>
-    <ds:schemaRef ds:uri="http://schemas.microsoft.com/sharepoint/v3"/>
-    <ds:schemaRef ds:uri="71af3243-3dd4-4a8d-8c0d-dd76da1f02a5"/>
-    <ds:schemaRef ds:uri="230e9df3-be65-4c73-a93b-d1236ebd677e"/>
-  </ds:schemaRefs>
-</ds:datastoreItem>
+<file path=customXml/item3.xml><?xml version="1.0" encoding="utf-8"?>
+<?mso-contentType ?>
+<FormTemplates xmlns="http://schemas.microsoft.com/sharepoint/v3/contenttype/forms">
+  <Display>DocumentLibraryForm</Display>
+  <Edit>DocumentLibraryForm</Edit>
+  <New>DocumentLibraryForm</New>
+</FormTemplates>
 </file>
 
-<file path=customXml/itemProps3.xml><?xml version="1.0" encoding="utf-8"?>
+<file path=customXml/itemProps1.xml><?xml version="1.0" encoding="utf-8"?>
 <ds:datastoreItem xmlns:ds="http://schemas.openxmlformats.org/officeDocument/2006/customXml" ds:itemID="{5EDE3176-A15D-46A3-BDDB-64A0D7363224}">
   <ds:schemaRefs>
     <ds:schemaRef ds:uri="http://schemas.microsoft.com/office/2006/metadata/contentType"/>
@@ -9555,6 +9396,26 @@
 </ds:datastoreItem>
 </file>
 
+<file path=customXml/itemProps2.xml><?xml version="1.0" encoding="utf-8"?>
+<ds:datastoreItem xmlns:ds="http://schemas.openxmlformats.org/officeDocument/2006/customXml" ds:itemID="{49168DCE-134F-4610-A6AA-88CEBE8D71D2}">
+  <ds:schemaRefs>
+    <ds:schemaRef ds:uri="http://schemas.microsoft.com/office/2006/metadata/properties"/>
+    <ds:schemaRef ds:uri="http://schemas.microsoft.com/office/infopath/2007/PartnerControls"/>
+    <ds:schemaRef ds:uri="http://schemas.microsoft.com/sharepoint/v3"/>
+    <ds:schemaRef ds:uri="71af3243-3dd4-4a8d-8c0d-dd76da1f02a5"/>
+    <ds:schemaRef ds:uri="230e9df3-be65-4c73-a93b-d1236ebd677e"/>
+  </ds:schemaRefs>
+</ds:datastoreItem>
+</file>
+
+<file path=customXml/itemProps3.xml><?xml version="1.0" encoding="utf-8"?>
+<ds:datastoreItem xmlns:ds="http://schemas.openxmlformats.org/officeDocument/2006/customXml" ds:itemID="{CABF691C-888B-4061-8A6F-D5CE84A0254B}">
+  <ds:schemaRefs>
+    <ds:schemaRef ds:uri="http://schemas.microsoft.com/sharepoint/v3/contenttype/forms"/>
+  </ds:schemaRefs>
+</ds:datastoreItem>
+</file>
+
 <file path=docMetadata/LabelInfo.xml><?xml version="1.0" encoding="utf-8"?>
 <clbl:labelList xmlns:clbl="http://schemas.microsoft.com/office/2020/mipLabelMetadata"/>
 </file>